--- a/ppt/typescript.pptx
+++ b/ppt/typescript.pptx
@@ -33,7 +33,6 @@
     <p:sldId id="278" r:id="rId30"/>
     <p:sldId id="279" r:id="rId31"/>
     <p:sldId id="280" r:id="rId32"/>
-    <p:sldId id="281" r:id="rId33"/>
   </p:sldIdLst>
   <p:sldSz cx="14401800" cy="10795000"/>
   <p:notesSz cx="6858000" cy="9144000"/>
@@ -88,10 +87,10 @@
         </a:solidFill>
         <a:effectLst/>
         <a:uFillTx/>
-        <a:latin typeface="+mj-lt"/>
-        <a:ea typeface="+mj-ea"/>
-        <a:cs typeface="+mj-cs"/>
-        <a:sym typeface="Helvetica"/>
+        <a:latin typeface="+mn-lt"/>
+        <a:ea typeface="+mn-ea"/>
+        <a:cs typeface="+mn-cs"/>
+        <a:sym typeface="Lucida Grande"/>
       </a:defRPr>
     </a:lvl1pPr>
     <a:lvl2pPr marL="0" marR="0" indent="0" algn="l" defTabSz="1440089" rtl="0" fontAlgn="auto" latinLnBrk="0" hangingPunct="0">
@@ -118,10 +117,10 @@
         </a:solidFill>
         <a:effectLst/>
         <a:uFillTx/>
-        <a:latin typeface="+mj-lt"/>
-        <a:ea typeface="+mj-ea"/>
-        <a:cs typeface="+mj-cs"/>
-        <a:sym typeface="Helvetica"/>
+        <a:latin typeface="+mn-lt"/>
+        <a:ea typeface="+mn-ea"/>
+        <a:cs typeface="+mn-cs"/>
+        <a:sym typeface="Lucida Grande"/>
       </a:defRPr>
     </a:lvl2pPr>
     <a:lvl3pPr marL="0" marR="0" indent="0" algn="l" defTabSz="1440089" rtl="0" fontAlgn="auto" latinLnBrk="0" hangingPunct="0">
@@ -148,10 +147,10 @@
         </a:solidFill>
         <a:effectLst/>
         <a:uFillTx/>
-        <a:latin typeface="+mj-lt"/>
-        <a:ea typeface="+mj-ea"/>
-        <a:cs typeface="+mj-cs"/>
-        <a:sym typeface="Helvetica"/>
+        <a:latin typeface="+mn-lt"/>
+        <a:ea typeface="+mn-ea"/>
+        <a:cs typeface="+mn-cs"/>
+        <a:sym typeface="Lucida Grande"/>
       </a:defRPr>
     </a:lvl3pPr>
     <a:lvl4pPr marL="0" marR="0" indent="0" algn="l" defTabSz="1440089" rtl="0" fontAlgn="auto" latinLnBrk="0" hangingPunct="0">
@@ -178,10 +177,10 @@
         </a:solidFill>
         <a:effectLst/>
         <a:uFillTx/>
-        <a:latin typeface="+mj-lt"/>
-        <a:ea typeface="+mj-ea"/>
-        <a:cs typeface="+mj-cs"/>
-        <a:sym typeface="Helvetica"/>
+        <a:latin typeface="+mn-lt"/>
+        <a:ea typeface="+mn-ea"/>
+        <a:cs typeface="+mn-cs"/>
+        <a:sym typeface="Lucida Grande"/>
       </a:defRPr>
     </a:lvl4pPr>
     <a:lvl5pPr marL="0" marR="0" indent="0" algn="l" defTabSz="1440089" rtl="0" fontAlgn="auto" latinLnBrk="0" hangingPunct="0">
@@ -208,10 +207,10 @@
         </a:solidFill>
         <a:effectLst/>
         <a:uFillTx/>
-        <a:latin typeface="+mj-lt"/>
-        <a:ea typeface="+mj-ea"/>
-        <a:cs typeface="+mj-cs"/>
-        <a:sym typeface="Helvetica"/>
+        <a:latin typeface="+mn-lt"/>
+        <a:ea typeface="+mn-ea"/>
+        <a:cs typeface="+mn-cs"/>
+        <a:sym typeface="Lucida Grande"/>
       </a:defRPr>
     </a:lvl5pPr>
     <a:lvl6pPr marL="0" marR="0" indent="0" algn="l" defTabSz="1440089" rtl="0" fontAlgn="auto" latinLnBrk="0" hangingPunct="0">
@@ -238,10 +237,10 @@
         </a:solidFill>
         <a:effectLst/>
         <a:uFillTx/>
-        <a:latin typeface="+mj-lt"/>
-        <a:ea typeface="+mj-ea"/>
-        <a:cs typeface="+mj-cs"/>
-        <a:sym typeface="Helvetica"/>
+        <a:latin typeface="+mn-lt"/>
+        <a:ea typeface="+mn-ea"/>
+        <a:cs typeface="+mn-cs"/>
+        <a:sym typeface="Lucida Grande"/>
       </a:defRPr>
     </a:lvl6pPr>
     <a:lvl7pPr marL="0" marR="0" indent="0" algn="l" defTabSz="1440089" rtl="0" fontAlgn="auto" latinLnBrk="0" hangingPunct="0">
@@ -268,10 +267,10 @@
         </a:solidFill>
         <a:effectLst/>
         <a:uFillTx/>
-        <a:latin typeface="+mj-lt"/>
-        <a:ea typeface="+mj-ea"/>
-        <a:cs typeface="+mj-cs"/>
-        <a:sym typeface="Helvetica"/>
+        <a:latin typeface="+mn-lt"/>
+        <a:ea typeface="+mn-ea"/>
+        <a:cs typeface="+mn-cs"/>
+        <a:sym typeface="Lucida Grande"/>
       </a:defRPr>
     </a:lvl7pPr>
     <a:lvl8pPr marL="0" marR="0" indent="0" algn="l" defTabSz="1440089" rtl="0" fontAlgn="auto" latinLnBrk="0" hangingPunct="0">
@@ -298,10 +297,10 @@
         </a:solidFill>
         <a:effectLst/>
         <a:uFillTx/>
-        <a:latin typeface="+mj-lt"/>
-        <a:ea typeface="+mj-ea"/>
-        <a:cs typeface="+mj-cs"/>
-        <a:sym typeface="Helvetica"/>
+        <a:latin typeface="+mn-lt"/>
+        <a:ea typeface="+mn-ea"/>
+        <a:cs typeface="+mn-cs"/>
+        <a:sym typeface="Lucida Grande"/>
       </a:defRPr>
     </a:lvl8pPr>
     <a:lvl9pPr marL="0" marR="0" indent="0" algn="l" defTabSz="1440089" rtl="0" fontAlgn="auto" latinLnBrk="0" hangingPunct="0">
@@ -328,10 +327,10 @@
         </a:solidFill>
         <a:effectLst/>
         <a:uFillTx/>
-        <a:latin typeface="+mj-lt"/>
-        <a:ea typeface="+mj-ea"/>
-        <a:cs typeface="+mj-cs"/>
-        <a:sym typeface="Helvetica"/>
+        <a:latin typeface="+mn-lt"/>
+        <a:ea typeface="+mn-ea"/>
+        <a:cs typeface="+mn-cs"/>
+        <a:sym typeface="Lucida Grande"/>
       </a:defRPr>
     </a:lvl9pPr>
   </p:defaultTextStyle>
@@ -882,7 +881,7 @@
         <p:spPr>
           <a:xfrm>
             <a:off x="2160270" y="6119864"/>
-            <a:ext cx="10081260" cy="2759943"/>
+            <a:ext cx="10081260" cy="2759944"/>
           </a:xfrm>
           <a:prstGeom prst="rect">
             <a:avLst/>
@@ -1126,10 +1125,6 @@
           </p:nvPr>
         </p:nvSpPr>
         <p:spPr>
-          <a:xfrm>
-            <a:off x="720090" y="2519945"/>
-            <a:ext cx="12961620" cy="7127348"/>
-          </a:xfrm>
           <a:prstGeom prst="rect">
             <a:avLst/>
           </a:prstGeom>
@@ -1161,7 +1156,7 @@
                 <a:sym typeface="微軟正黑體"/>
               </a:defRPr>
             </a:lvl3pPr>
-            <a:lvl4pPr marL="2740637">
+            <a:lvl4pPr marL="2740636">
               <a:defRPr>
                 <a:latin typeface="微軟正黑體"/>
                 <a:ea typeface="微軟正黑體"/>
@@ -1402,7 +1397,7 @@
         <p:spPr>
           <a:xfrm>
             <a:off x="1137641" y="6939846"/>
-            <a:ext cx="12241533" cy="2144957"/>
+            <a:ext cx="12241533" cy="2144958"/>
           </a:xfrm>
           <a:prstGeom prst="rect">
             <a:avLst/>
@@ -1434,7 +1429,7 @@
         <p:spPr>
           <a:xfrm>
             <a:off x="1137641" y="4577400"/>
-            <a:ext cx="12241533" cy="2362451"/>
+            <a:ext cx="12241533" cy="2362452"/>
           </a:xfrm>
           <a:prstGeom prst="rect">
             <a:avLst/>
@@ -1787,14 +1782,14 @@
               <a:buFontTx/>
               <a:defRPr b="1" sz="3700"/>
             </a:lvl3pPr>
-            <a:lvl4pPr marL="2589670" indent="-429673">
+            <a:lvl4pPr marL="2589670" indent="-429672">
               <a:spcBef>
                 <a:spcPts val="800"/>
               </a:spcBef>
               <a:buFontTx/>
               <a:defRPr b="1" sz="3700"/>
             </a:lvl4pPr>
-            <a:lvl5pPr marL="3309672" indent="-429673">
+            <a:lvl5pPr marL="3309672" indent="-429672">
               <a:spcBef>
                 <a:spcPts val="800"/>
               </a:spcBef>
@@ -1868,8 +1863,8 @@
         </p:nvSpPr>
         <p:spPr>
           <a:xfrm>
-            <a:off x="720087" y="2417447"/>
-            <a:ext cx="6363303" cy="1007480"/>
+            <a:off x="720086" y="2417447"/>
+            <a:ext cx="6363305" cy="1007481"/>
           </a:xfrm>
           <a:prstGeom prst="rect">
             <a:avLst/>
@@ -2284,7 +2279,7 @@
         <p:spPr>
           <a:xfrm>
             <a:off x="2822854" y="7559833"/>
-            <a:ext cx="8641082" cy="892485"/>
+            <a:ext cx="8641082" cy="892486"/>
           </a:xfrm>
           <a:prstGeom prst="rect">
             <a:avLst/>
@@ -2316,7 +2311,7 @@
         <p:spPr>
           <a:xfrm>
             <a:off x="2822854" y="8452315"/>
-            <a:ext cx="8641082" cy="1267475"/>
+            <a:ext cx="8641082" cy="1267476"/>
           </a:xfrm>
           <a:prstGeom prst="rect">
             <a:avLst/>
@@ -2572,7 +2567,7 @@
         </p:nvSpPr>
         <p:spPr>
           <a:xfrm>
-            <a:off x="13337812" y="10118205"/>
+            <a:off x="13337813" y="10118205"/>
             <a:ext cx="343899" cy="358137"/>
           </a:xfrm>
           <a:prstGeom prst="rect">
@@ -3602,8 +3597,8 @@
         </p:nvSpPr>
         <p:spPr>
           <a:xfrm>
-            <a:off x="4765340" y="3928108"/>
-            <a:ext cx="4871120" cy="647701"/>
+            <a:off x="4765340" y="3928107"/>
+            <a:ext cx="4871121" cy="647701"/>
           </a:xfrm>
           <a:prstGeom prst="rect">
             <a:avLst/>
@@ -3628,6 +3623,10 @@
                 <a:solidFill>
                   <a:srgbClr val="FFFFFF"/>
                 </a:solidFill>
+                <a:latin typeface="+mj-lt"/>
+                <a:ea typeface="+mj-ea"/>
+                <a:cs typeface="+mj-cs"/>
+                <a:sym typeface="Helvetica"/>
               </a:defRPr>
             </a:pPr>
             <a:r>
@@ -3645,7 +3644,7 @@
         <p:spPr>
           <a:xfrm>
             <a:off x="4765340" y="2800349"/>
-            <a:ext cx="4871120" cy="647701"/>
+            <a:ext cx="4871121" cy="647701"/>
           </a:xfrm>
           <a:prstGeom prst="rect">
             <a:avLst/>
@@ -3670,6 +3669,10 @@
                 <a:solidFill>
                   <a:srgbClr val="FFFFFF"/>
                 </a:solidFill>
+                <a:latin typeface="+mj-lt"/>
+                <a:ea typeface="+mj-ea"/>
+                <a:cs typeface="+mj-cs"/>
+                <a:sym typeface="Helvetica"/>
               </a:defRPr>
             </a:pPr>
             <a:r>
@@ -3687,7 +3690,7 @@
         <p:spPr>
           <a:xfrm>
             <a:off x="4765340" y="1672588"/>
-            <a:ext cx="4871120" cy="647701"/>
+            <a:ext cx="4871121" cy="647701"/>
           </a:xfrm>
           <a:prstGeom prst="rect">
             <a:avLst/>
@@ -3712,6 +3715,10 @@
                 <a:solidFill>
                   <a:srgbClr val="FFFFFF"/>
                 </a:solidFill>
+                <a:latin typeface="+mj-lt"/>
+                <a:ea typeface="+mj-ea"/>
+                <a:cs typeface="+mj-cs"/>
+                <a:sym typeface="Helvetica"/>
               </a:defRPr>
             </a:pPr>
             <a:r>
@@ -3729,7 +3736,7 @@
         <p:spPr>
           <a:xfrm>
             <a:off x="4765340" y="5055868"/>
-            <a:ext cx="4871120" cy="647701"/>
+            <a:ext cx="4871121" cy="647701"/>
           </a:xfrm>
           <a:prstGeom prst="rect">
             <a:avLst/>
@@ -3754,6 +3761,10 @@
                 <a:solidFill>
                   <a:srgbClr val="FFFFFF"/>
                 </a:solidFill>
+                <a:latin typeface="+mj-lt"/>
+                <a:ea typeface="+mj-ea"/>
+                <a:cs typeface="+mj-cs"/>
+                <a:sym typeface="Helvetica"/>
               </a:defRPr>
             </a:pPr>
             <a:r>
@@ -3770,8 +3781,8 @@
         </p:nvSpPr>
         <p:spPr>
           <a:xfrm>
-            <a:off x="4765340" y="6183628"/>
-            <a:ext cx="4871120" cy="647701"/>
+            <a:off x="4765340" y="6183627"/>
+            <a:ext cx="4871121" cy="647701"/>
           </a:xfrm>
           <a:prstGeom prst="rect">
             <a:avLst/>
@@ -3796,6 +3807,10 @@
                 <a:solidFill>
                   <a:srgbClr val="FFFFFF"/>
                 </a:solidFill>
+                <a:latin typeface="+mj-lt"/>
+                <a:ea typeface="+mj-ea"/>
+                <a:cs typeface="+mj-cs"/>
+                <a:sym typeface="Helvetica"/>
               </a:defRPr>
             </a:pPr>
             <a:r>
@@ -3812,8 +3827,8 @@
         </p:nvSpPr>
         <p:spPr>
           <a:xfrm>
-            <a:off x="4765340" y="7311388"/>
-            <a:ext cx="4871120" cy="647701"/>
+            <a:off x="4765340" y="7311387"/>
+            <a:ext cx="4871121" cy="647701"/>
           </a:xfrm>
           <a:prstGeom prst="rect">
             <a:avLst/>
@@ -3838,6 +3853,10 @@
                 <a:solidFill>
                   <a:srgbClr val="FFFFFF"/>
                 </a:solidFill>
+                <a:latin typeface="+mj-lt"/>
+                <a:ea typeface="+mj-ea"/>
+                <a:cs typeface="+mj-cs"/>
+                <a:sym typeface="Helvetica"/>
               </a:defRPr>
             </a:pPr>
             <a:r>
@@ -4054,8 +4073,8 @@
         </p:blipFill>
         <p:spPr>
           <a:xfrm>
-            <a:off x="3586661" y="529823"/>
-            <a:ext cx="7228478" cy="9735354"/>
+            <a:off x="3586660" y="529822"/>
+            <a:ext cx="7228480" cy="9735355"/>
           </a:xfrm>
           <a:prstGeom prst="rect">
             <a:avLst/>
@@ -4117,8 +4136,8 @@
         </p:nvSpPr>
         <p:spPr>
           <a:xfrm>
-            <a:off x="4896089" y="2988690"/>
-            <a:ext cx="5112091" cy="4817619"/>
+            <a:off x="4896089" y="2988689"/>
+            <a:ext cx="5112092" cy="4817619"/>
           </a:xfrm>
           <a:prstGeom prst="rect">
             <a:avLst/>
@@ -4166,7 +4185,7 @@
         <p:spPr>
           <a:xfrm>
             <a:off x="4226381" y="4850131"/>
-            <a:ext cx="5949038" cy="1094737"/>
+            <a:ext cx="5949039" cy="1094737"/>
           </a:xfrm>
           <a:prstGeom prst="rect">
             <a:avLst/>
@@ -4282,6 +4301,10 @@
                 <a:solidFill>
                   <a:srgbClr val="FFFFFF"/>
                 </a:solidFill>
+                <a:latin typeface="+mj-lt"/>
+                <a:ea typeface="+mj-ea"/>
+                <a:cs typeface="+mj-cs"/>
+                <a:sym typeface="Helvetica"/>
               </a:defRPr>
             </a:lvl1pPr>
           </a:lstStyle>
@@ -4370,6 +4393,10 @@
                 <a:solidFill>
                   <a:srgbClr val="FFFFFF"/>
                 </a:solidFill>
+                <a:latin typeface="+mj-lt"/>
+                <a:ea typeface="+mj-ea"/>
+                <a:cs typeface="+mj-cs"/>
+                <a:sym typeface="Helvetica"/>
               </a:defRPr>
             </a:lvl1pPr>
           </a:lstStyle>
@@ -4433,8 +4460,8 @@
         </p:nvSpPr>
         <p:spPr>
           <a:xfrm>
-            <a:off x="4882926" y="4926331"/>
-            <a:ext cx="4635948" cy="942337"/>
+            <a:off x="4882925" y="4926331"/>
+            <a:ext cx="4635949" cy="942337"/>
           </a:xfrm>
           <a:prstGeom prst="rect">
             <a:avLst/>
@@ -4460,6 +4487,10 @@
                 <a:solidFill>
                   <a:srgbClr val="FFFFFF"/>
                 </a:solidFill>
+                <a:latin typeface="+mj-lt"/>
+                <a:ea typeface="+mj-ea"/>
+                <a:cs typeface="+mj-cs"/>
+                <a:sym typeface="Helvetica"/>
               </a:defRPr>
             </a:lvl1pPr>
           </a:lstStyle>
@@ -4533,8 +4564,8 @@
         </p:blipFill>
         <p:spPr>
           <a:xfrm>
-            <a:off x="1423596" y="477765"/>
-            <a:ext cx="11554608" cy="9839470"/>
+            <a:off x="1423595" y="477765"/>
+            <a:ext cx="11554609" cy="9839470"/>
           </a:xfrm>
           <a:prstGeom prst="rect">
             <a:avLst/>
@@ -4596,8 +4627,8 @@
         </p:nvSpPr>
         <p:spPr>
           <a:xfrm>
-            <a:off x="2951435" y="4926331"/>
-            <a:ext cx="8498930" cy="942337"/>
+            <a:off x="2951434" y="4926331"/>
+            <a:ext cx="8498931" cy="942337"/>
           </a:xfrm>
           <a:prstGeom prst="rect">
             <a:avLst/>
@@ -4621,6 +4652,10 @@
                 <a:solidFill>
                   <a:srgbClr val="FFFFFF"/>
                 </a:solidFill>
+                <a:latin typeface="+mj-lt"/>
+                <a:ea typeface="+mj-ea"/>
+                <a:cs typeface="+mj-cs"/>
+                <a:sym typeface="Helvetica"/>
               </a:defRPr>
             </a:lvl1pPr>
           </a:lstStyle>
@@ -4685,7 +4720,7 @@
         <p:spPr>
           <a:xfrm>
             <a:off x="3996780" y="3235773"/>
-            <a:ext cx="919538" cy="969519"/>
+            <a:ext cx="919537" cy="969519"/>
           </a:xfrm>
           <a:prstGeom prst="rect">
             <a:avLst/>
@@ -4781,7 +4816,7 @@
         <p:spPr>
           <a:xfrm>
             <a:off x="3996780" y="5852548"/>
-            <a:ext cx="919538" cy="969519"/>
+            <a:ext cx="919537" cy="969519"/>
           </a:xfrm>
           <a:prstGeom prst="rect">
             <a:avLst/>
@@ -4828,63 +4863,8 @@
         </p:nvSpPr>
         <p:spPr>
           <a:xfrm>
-            <a:off x="5395275" y="3357313"/>
-            <a:ext cx="5003807" cy="637537"/>
-          </a:xfrm>
-          <a:prstGeom prst="rect">
-            <a:avLst/>
-          </a:prstGeom>
-          <a:ln w="12700">
-            <a:miter lim="400000"/>
-          </a:ln>
-          <a:extLst>
-            <a:ext uri="{C572A759-6A51-4108-AA02-DFA0A04FC94B}">
-              <ma14:wrappingTextBoxFlag xmlns:ma14="http://schemas.microsoft.com/office/mac/drawingml/2011/main" val="1"/>
-            </a:ext>
-          </a:extLst>
-        </p:spPr>
-        <p:txBody>
-          <a:bodyPr lIns="45718" tIns="45718" rIns="45718" bIns="45718">
-            <a:spAutoFit/>
-          </a:bodyPr>
-          <a:lstStyle/>
-          <a:p>
-            <a:pPr>
-              <a:lnSpc>
-                <a:spcPct val="130000"/>
-              </a:lnSpc>
-              <a:defRPr b="1" sz="3600">
-                <a:solidFill>
-                  <a:srgbClr val="FFFFFF"/>
-                </a:solidFill>
-                <a:latin typeface="微软雅黑"/>
-                <a:ea typeface="微软雅黑"/>
-                <a:cs typeface="微软雅黑"/>
-                <a:sym typeface="微软雅黑"/>
-              </a:defRPr>
-            </a:pPr>
-            <a:r>
-              <a:t>About</a:t>
-            </a:r>
-            <a:r>
-              <a:t> </a:t>
-            </a:r>
-            <a:r>
-              <a:t>TypeScript</a:t>
-            </a:r>
-          </a:p>
-        </p:txBody>
-      </p:sp>
-      <p:sp>
-        <p:nvSpPr>
-          <p:cNvPr id="130" name="文本框 16"/>
-          <p:cNvSpPr txBox="1"/>
-          <p:nvPr/>
-        </p:nvSpPr>
-        <p:spPr>
-          <a:xfrm>
-            <a:off x="5399275" y="6079752"/>
-            <a:ext cx="4995805" cy="637537"/>
+            <a:off x="5395274" y="3357312"/>
+            <a:ext cx="5003808" cy="637537"/>
           </a:xfrm>
           <a:prstGeom prst="rect">
             <a:avLst/>
@@ -4921,6 +4901,57 @@
           <a:p>
             <a:pPr/>
             <a:r>
+              <a:t>About TypeScript</a:t>
+            </a:r>
+          </a:p>
+        </p:txBody>
+      </p:sp>
+      <p:sp>
+        <p:nvSpPr>
+          <p:cNvPr id="130" name="文本框 16"/>
+          <p:cNvSpPr txBox="1"/>
+          <p:nvPr/>
+        </p:nvSpPr>
+        <p:spPr>
+          <a:xfrm>
+            <a:off x="5399275" y="6079752"/>
+            <a:ext cx="4995806" cy="637537"/>
+          </a:xfrm>
+          <a:prstGeom prst="rect">
+            <a:avLst/>
+          </a:prstGeom>
+          <a:ln w="12700">
+            <a:miter lim="400000"/>
+          </a:ln>
+          <a:extLst>
+            <a:ext uri="{C572A759-6A51-4108-AA02-DFA0A04FC94B}">
+              <ma14:wrappingTextBoxFlag xmlns:ma14="http://schemas.microsoft.com/office/mac/drawingml/2011/main" val="1"/>
+            </a:ext>
+          </a:extLst>
+        </p:spPr>
+        <p:txBody>
+          <a:bodyPr lIns="45718" tIns="45718" rIns="45718" bIns="45718">
+            <a:spAutoFit/>
+          </a:bodyPr>
+          <a:lstStyle>
+            <a:lvl1pPr>
+              <a:lnSpc>
+                <a:spcPct val="130000"/>
+              </a:lnSpc>
+              <a:defRPr b="1" sz="3600">
+                <a:solidFill>
+                  <a:srgbClr val="FFFFFF"/>
+                </a:solidFill>
+                <a:latin typeface="微软雅黑"/>
+                <a:ea typeface="微软雅黑"/>
+                <a:cs typeface="微软雅黑"/>
+                <a:sym typeface="微软雅黑"/>
+              </a:defRPr>
+            </a:lvl1pPr>
+          </a:lstStyle>
+          <a:p>
+            <a:pPr/>
+            <a:r>
               <a:t>Demo</a:t>
             </a:r>
           </a:p>
@@ -4934,8 +4965,8 @@
         </p:nvSpPr>
         <p:spPr>
           <a:xfrm>
-            <a:off x="5389337" y="4670799"/>
-            <a:ext cx="5015683" cy="637537"/>
+            <a:off x="5389336" y="4670799"/>
+            <a:ext cx="5015684" cy="637537"/>
           </a:xfrm>
           <a:prstGeom prst="rect">
             <a:avLst/>
@@ -5039,8 +5070,8 @@
         </p:blipFill>
         <p:spPr>
           <a:xfrm>
-            <a:off x="1901347" y="472509"/>
-            <a:ext cx="10599106" cy="9849982"/>
+            <a:off x="1901346" y="472508"/>
+            <a:ext cx="10599107" cy="9849983"/>
           </a:xfrm>
           <a:prstGeom prst="rect">
             <a:avLst/>
@@ -5129,6 +5160,10 @@
                 <a:solidFill>
                   <a:srgbClr val="FFFFFF"/>
                 </a:solidFill>
+                <a:latin typeface="+mj-lt"/>
+                <a:ea typeface="+mj-ea"/>
+                <a:cs typeface="+mj-cs"/>
+                <a:sym typeface="Helvetica"/>
               </a:defRPr>
             </a:lvl1pPr>
           </a:lstStyle>
@@ -5192,8 +5227,8 @@
         </p:nvSpPr>
         <p:spPr>
           <a:xfrm>
-            <a:off x="6010696" y="500382"/>
-            <a:ext cx="2253160" cy="828037"/>
+            <a:off x="6010695" y="500382"/>
+            <a:ext cx="2253161" cy="828037"/>
           </a:xfrm>
           <a:prstGeom prst="rect">
             <a:avLst/>
@@ -5217,6 +5252,10 @@
                 <a:solidFill>
                   <a:srgbClr val="FFFFFF"/>
                 </a:solidFill>
+                <a:latin typeface="+mj-lt"/>
+                <a:ea typeface="+mj-ea"/>
+                <a:cs typeface="+mj-cs"/>
+                <a:sym typeface="Helvetica"/>
               </a:defRPr>
             </a:lvl1pPr>
           </a:lstStyle>
@@ -5247,7 +5286,7 @@
         <p:spPr>
           <a:xfrm>
             <a:off x="2299280" y="1492577"/>
-            <a:ext cx="9803240" cy="8971082"/>
+            <a:ext cx="9803241" cy="8971082"/>
           </a:xfrm>
           <a:prstGeom prst="rect">
             <a:avLst/>
@@ -5319,8 +5358,8 @@
         </p:blipFill>
         <p:spPr>
           <a:xfrm>
-            <a:off x="1942179" y="659913"/>
-            <a:ext cx="10517442" cy="9475174"/>
+            <a:off x="1942178" y="659913"/>
+            <a:ext cx="10517443" cy="9475175"/>
           </a:xfrm>
           <a:prstGeom prst="rect">
             <a:avLst/>
@@ -5376,14 +5415,62 @@
       </p:grpSpPr>
       <p:sp>
         <p:nvSpPr>
-          <p:cNvPr id="188" name="静态类型检查"/>
+          <p:cNvPr id="188" name="文本框 81"/>
           <p:cNvSpPr txBox="1"/>
           <p:nvPr/>
         </p:nvSpPr>
         <p:spPr>
           <a:xfrm>
-            <a:off x="5121374" y="1129031"/>
-            <a:ext cx="4159052" cy="942337"/>
+            <a:off x="4896089" y="2988689"/>
+            <a:ext cx="5112092" cy="4817619"/>
+          </a:xfrm>
+          <a:prstGeom prst="rect">
+            <a:avLst/>
+          </a:prstGeom>
+          <a:ln w="12700">
+            <a:miter lim="400000"/>
+          </a:ln>
+          <a:extLst>
+            <a:ext uri="{C572A759-6A51-4108-AA02-DFA0A04FC94B}">
+              <ma14:wrappingTextBoxFlag xmlns:ma14="http://schemas.microsoft.com/office/mac/drawingml/2011/main" val="1"/>
+            </a:ext>
+          </a:extLst>
+        </p:spPr>
+        <p:txBody>
+          <a:bodyPr lIns="72009" tIns="72009" rIns="72009" bIns="72009">
+            <a:spAutoFit/>
+          </a:bodyPr>
+          <a:lstStyle>
+            <a:lvl1pPr>
+              <a:defRPr sz="30000">
+                <a:solidFill>
+                  <a:srgbClr val="DBEEF4"/>
+                </a:solidFill>
+                <a:latin typeface="Century Gothic"/>
+                <a:ea typeface="Century Gothic"/>
+                <a:cs typeface="Century Gothic"/>
+                <a:sym typeface="Century Gothic"/>
+              </a:defRPr>
+            </a:lvl1pPr>
+          </a:lstStyle>
+          <a:p>
+            <a:pPr/>
+            <a:r>
+              <a:t>03</a:t>
+            </a:r>
+          </a:p>
+        </p:txBody>
+      </p:sp>
+      <p:sp>
+        <p:nvSpPr>
+          <p:cNvPr id="189" name="Rectangle 18"/>
+          <p:cNvSpPr txBox="1"/>
+          <p:nvPr/>
+        </p:nvSpPr>
+        <p:spPr>
+          <a:xfrm>
+            <a:off x="5813881" y="4850131"/>
+            <a:ext cx="2368978" cy="1094737"/>
           </a:xfrm>
           <a:prstGeom prst="rect">
             <a:avLst/>
@@ -5403,17 +5490,21 @@
           </a:bodyPr>
           <a:lstStyle>
             <a:lvl1pPr>
-              <a:defRPr sz="4800">
+              <a:defRPr sz="6600">
                 <a:solidFill>
                   <a:srgbClr val="FFFFFF"/>
                 </a:solidFill>
+                <a:latin typeface="Microsoft YaHei"/>
+                <a:ea typeface="Microsoft YaHei"/>
+                <a:cs typeface="Microsoft YaHei"/>
+                <a:sym typeface="Microsoft YaHei"/>
               </a:defRPr>
             </a:lvl1pPr>
           </a:lstStyle>
           <a:p>
             <a:pPr/>
             <a:r>
-              <a:t>不同与 JSDoc </a:t>
+              <a:t>Demo</a:t>
             </a:r>
           </a:p>
         </p:txBody>
@@ -5464,154 +5555,14 @@
       </p:grpSpPr>
       <p:sp>
         <p:nvSpPr>
-          <p:cNvPr id="190" name="文本框 81"/>
-          <p:cNvSpPr txBox="1"/>
-          <p:nvPr/>
-        </p:nvSpPr>
-        <p:spPr>
-          <a:xfrm>
-            <a:off x="4896089" y="2988690"/>
-            <a:ext cx="5112091" cy="4817619"/>
-          </a:xfrm>
-          <a:prstGeom prst="rect">
-            <a:avLst/>
-          </a:prstGeom>
-          <a:ln w="12700">
-            <a:miter lim="400000"/>
-          </a:ln>
-          <a:extLst>
-            <a:ext uri="{C572A759-6A51-4108-AA02-DFA0A04FC94B}">
-              <ma14:wrappingTextBoxFlag xmlns:ma14="http://schemas.microsoft.com/office/mac/drawingml/2011/main" val="1"/>
-            </a:ext>
-          </a:extLst>
-        </p:spPr>
-        <p:txBody>
-          <a:bodyPr lIns="72009" tIns="72009" rIns="72009" bIns="72009">
-            <a:spAutoFit/>
-          </a:bodyPr>
-          <a:lstStyle>
-            <a:lvl1pPr>
-              <a:defRPr sz="30000">
-                <a:solidFill>
-                  <a:srgbClr val="DBEEF4"/>
-                </a:solidFill>
-                <a:latin typeface="Century Gothic"/>
-                <a:ea typeface="Century Gothic"/>
-                <a:cs typeface="Century Gothic"/>
-                <a:sym typeface="Century Gothic"/>
-              </a:defRPr>
-            </a:lvl1pPr>
-          </a:lstStyle>
-          <a:p>
-            <a:pPr/>
-            <a:r>
-              <a:t>03</a:t>
-            </a:r>
-          </a:p>
-        </p:txBody>
-      </p:sp>
-      <p:sp>
-        <p:nvSpPr>
-          <p:cNvPr id="191" name="Rectangle 18"/>
-          <p:cNvSpPr txBox="1"/>
-          <p:nvPr/>
-        </p:nvSpPr>
-        <p:spPr>
-          <a:xfrm>
-            <a:off x="5813881" y="4850131"/>
-            <a:ext cx="2368977" cy="1094737"/>
-          </a:xfrm>
-          <a:prstGeom prst="rect">
-            <a:avLst/>
-          </a:prstGeom>
-          <a:ln w="12700">
-            <a:miter lim="400000"/>
-          </a:ln>
-          <a:extLst>
-            <a:ext uri="{C572A759-6A51-4108-AA02-DFA0A04FC94B}">
-              <ma14:wrappingTextBoxFlag xmlns:ma14="http://schemas.microsoft.com/office/mac/drawingml/2011/main" val="1"/>
-            </a:ext>
-          </a:extLst>
-        </p:spPr>
-        <p:txBody>
-          <a:bodyPr lIns="45718" tIns="45718" rIns="45718" bIns="45718">
-            <a:spAutoFit/>
-          </a:bodyPr>
-          <a:lstStyle>
-            <a:lvl1pPr>
-              <a:defRPr sz="6600">
-                <a:solidFill>
-                  <a:srgbClr val="FFFFFF"/>
-                </a:solidFill>
-                <a:latin typeface="Microsoft YaHei"/>
-                <a:ea typeface="Microsoft YaHei"/>
-                <a:cs typeface="Microsoft YaHei"/>
-                <a:sym typeface="Microsoft YaHei"/>
-              </a:defRPr>
-            </a:lvl1pPr>
-          </a:lstStyle>
-          <a:p>
-            <a:pPr/>
-            <a:r>
-              <a:t>Demo</a:t>
-            </a:r>
-          </a:p>
-        </p:txBody>
-      </p:sp>
-    </p:spTree>
-  </p:cSld>
-  <p:clrMapOvr>
-    <a:masterClrMapping/>
-  </p:clrMapOvr>
-  <mc:AlternateContent xmlns:mc="http://schemas.openxmlformats.org/markup-compatibility/2006">
-    <mc:Choice xmlns:p14="http://schemas.microsoft.com/office/powerpoint/2010/main" Requires="p14">
-      <p:transition spd="slow" advClick="1" p14:dur="1200">
-        <p:dissolve/>
-      </p:transition>
-    </mc:Choice>
-    <mc:Fallback>
-      <p:transition spd="slow">
-        <p:fade/>
-      </p:transition>
-    </mc:Fallback>
-  </mc:AlternateContent>
-</p:sld>
-</file>
-
-<file path=ppt/slides/slide26.xml><?xml version="1.0" encoding="utf-8"?>
-<p:sld xmlns:a="http://schemas.openxmlformats.org/drawingml/2006/main" xmlns:r="http://schemas.openxmlformats.org/officeDocument/2006/relationships" xmlns:p="http://schemas.openxmlformats.org/presentationml/2006/main" showMasterSp="1" showMasterPhAnim="1">
-  <p:cSld>
-    <p:bg>
-      <p:bgPr>
-        <a:solidFill>
-          <a:srgbClr val="739A98"/>
-        </a:solidFill>
-      </p:bgPr>
-    </p:bg>
-    <p:spTree>
-      <p:nvGrpSpPr>
-        <p:cNvPr id="1" name=""/>
-        <p:cNvGrpSpPr/>
-        <p:nvPr/>
-      </p:nvGrpSpPr>
-      <p:grpSpPr>
-        <a:xfrm>
-          <a:off x="0" y="0"/>
-          <a:ext cx="0" cy="0"/>
-          <a:chOff x="0" y="0"/>
-          <a:chExt cx="0" cy="0"/>
-        </a:xfrm>
-      </p:grpSpPr>
-      <p:sp>
-        <p:nvSpPr>
-          <p:cNvPr id="193" name="TextBox 5"/>
+          <p:cNvPr id="191" name="TextBox 5"/>
           <p:cNvSpPr txBox="1"/>
           <p:nvPr/>
         </p:nvSpPr>
         <p:spPr>
           <a:xfrm>
             <a:off x="4630454" y="4719506"/>
-            <a:ext cx="5684426" cy="1031237"/>
+            <a:ext cx="5684427" cy="1031237"/>
           </a:xfrm>
           <a:prstGeom prst="rect">
             <a:avLst/>
@@ -5702,7 +5653,7 @@
         </p:nvSpPr>
         <p:spPr>
           <a:xfrm>
-            <a:off x="4978379" y="2988691"/>
+            <a:off x="4978379" y="2988690"/>
             <a:ext cx="4445042" cy="4817619"/>
           </a:xfrm>
           <a:prstGeom prst="rect">
@@ -5769,9 +5720,8 @@
           <a:bodyPr wrap="none" lIns="45718" tIns="45718" rIns="45718" bIns="45718">
             <a:spAutoFit/>
           </a:bodyPr>
-          <a:lstStyle/>
-          <a:p>
-            <a:pPr>
+          <a:lstStyle>
+            <a:lvl1pPr>
               <a:defRPr sz="6600">
                 <a:solidFill>
                   <a:srgbClr val="FFFFFF"/>
@@ -5781,15 +5731,12 @@
                 <a:cs typeface="Microsoft YaHei"/>
                 <a:sym typeface="Microsoft YaHei"/>
               </a:defRPr>
-            </a:pPr>
-            <a:r>
-              <a:t>About</a:t>
-            </a:r>
-            <a:r>
-              <a:t> </a:t>
-            </a:r>
-            <a:r>
-              <a:t>TypeScript</a:t>
+            </a:lvl1pPr>
+          </a:lstStyle>
+          <a:p>
+            <a:pPr/>
+            <a:r>
+              <a:t>About TypeScript</a:t>
             </a:r>
           </a:p>
         </p:txBody>
@@ -5875,13 +5822,14 @@
                 <a:solidFill>
                   <a:srgbClr val="FFFFFF"/>
                 </a:solidFill>
+                <a:latin typeface="+mj-lt"/>
+                <a:ea typeface="+mj-ea"/>
+                <a:cs typeface="+mj-cs"/>
+                <a:sym typeface="Helvetica"/>
               </a:defRPr>
             </a:pPr>
             <a:r>
-              <a:t>JavaScript</a:t>
-            </a:r>
-            <a:r>
-              <a:t> 发展现状</a:t>
+              <a:t>JavaScript 发展现状</a:t>
             </a:r>
           </a:p>
         </p:txBody>
@@ -6011,8 +5959,8 @@
         </p:nvSpPr>
         <p:spPr>
           <a:xfrm>
-            <a:off x="4137874" y="5773672"/>
-            <a:ext cx="6896139" cy="726437"/>
+            <a:off x="4137874" y="5773671"/>
+            <a:ext cx="6896140" cy="726437"/>
           </a:xfrm>
           <a:prstGeom prst="rect">
             <a:avLst/>
@@ -6033,9 +5981,8 @@
           <a:bodyPr lIns="45718" tIns="45718" rIns="45718" bIns="45718">
             <a:spAutoFit/>
           </a:bodyPr>
-          <a:lstStyle/>
-          <a:p>
-            <a:pPr marL="571500" indent="-571500">
+          <a:lstStyle>
+            <a:lvl1pPr marL="571500" indent="-571500">
               <a:buSzPct val="100000"/>
               <a:buFont typeface="Arial"/>
               <a:buChar char="•"/>
@@ -6043,19 +5990,17 @@
                 <a:solidFill>
                   <a:srgbClr val="FFFFFF"/>
                 </a:solidFill>
+                <a:latin typeface="+mj-lt"/>
+                <a:ea typeface="+mj-ea"/>
+                <a:cs typeface="+mj-cs"/>
+                <a:sym typeface="Helvetica"/>
               </a:defRPr>
-            </a:pPr>
-            <a:r>
-              <a:t>越来越多的 </a:t>
-            </a:r>
-            <a:r>
-              <a:t>JavaScript </a:t>
-            </a:r>
-            <a:r>
-              <a:t>开发者</a:t>
-            </a:r>
-            <a:r>
-              <a:t> </a:t>
+            </a:lvl1pPr>
+          </a:lstStyle>
+          <a:p>
+            <a:pPr/>
+            <a:r>
+              <a:t>越来越多的 JavaScript 开发者 </a:t>
             </a:r>
           </a:p>
         </p:txBody>
@@ -6090,9 +6035,8 @@
           <a:bodyPr lIns="45718" tIns="45718" rIns="45718" bIns="45718">
             <a:spAutoFit/>
           </a:bodyPr>
-          <a:lstStyle/>
-          <a:p>
-            <a:pPr marL="571500" indent="-571500">
+          <a:lstStyle>
+            <a:lvl1pPr marL="571500" indent="-571500">
               <a:buSzPct val="100000"/>
               <a:buFont typeface="Arial"/>
               <a:buChar char="•"/>
@@ -6100,13 +6044,17 @@
                 <a:solidFill>
                   <a:srgbClr val="FFFFFF"/>
                 </a:solidFill>
+                <a:latin typeface="+mj-lt"/>
+                <a:ea typeface="+mj-ea"/>
+                <a:cs typeface="+mj-cs"/>
+                <a:sym typeface="Helvetica"/>
               </a:defRPr>
-            </a:pPr>
-            <a:r>
-              <a:t>无处不在的 </a:t>
-            </a:r>
-            <a:r>
-              <a:t>JavaScript</a:t>
+            </a:lvl1pPr>
+          </a:lstStyle>
+          <a:p>
+            <a:pPr/>
+            <a:r>
+              <a:t>无处不在的 JavaScript</a:t>
             </a:r>
           </a:p>
         </p:txBody>
@@ -6141,9 +6089,8 @@
           <a:bodyPr lIns="45718" tIns="45718" rIns="45718" bIns="45718">
             <a:spAutoFit/>
           </a:bodyPr>
-          <a:lstStyle/>
-          <a:p>
-            <a:pPr marL="571500" indent="-571500">
+          <a:lstStyle>
+            <a:lvl1pPr marL="571500" indent="-571500">
               <a:buSzPct val="100000"/>
               <a:buFont typeface="Arial"/>
               <a:buChar char="•"/>
@@ -6151,16 +6098,17 @@
                 <a:solidFill>
                   <a:srgbClr val="FFFFFF"/>
                 </a:solidFill>
+                <a:latin typeface="+mj-lt"/>
+                <a:ea typeface="+mj-ea"/>
+                <a:cs typeface="+mj-cs"/>
+                <a:sym typeface="Helvetica"/>
               </a:defRPr>
-            </a:pPr>
-            <a:r>
-              <a:t>近 </a:t>
-            </a:r>
-            <a:r>
-              <a:t>10</a:t>
-            </a:r>
-            <a:r>
-              <a:t> 年爆发式增长</a:t>
+            </a:lvl1pPr>
+          </a:lstStyle>
+          <a:p>
+            <a:pPr/>
+            <a:r>
+              <a:t>近 10 年爆发式增长</a:t>
             </a:r>
           </a:p>
         </p:txBody>
@@ -6218,7 +6166,7 @@
         <p:spPr>
           <a:xfrm>
             <a:off x="1907829" y="1716521"/>
-            <a:ext cx="10921556" cy="927101"/>
+            <a:ext cx="10921557" cy="927101"/>
           </a:xfrm>
           <a:prstGeom prst="rect">
             <a:avLst/>
@@ -6246,13 +6194,14 @@
                 <a:solidFill>
                   <a:srgbClr val="FFFFFF"/>
                 </a:solidFill>
+                <a:latin typeface="+mj-lt"/>
+                <a:ea typeface="+mj-ea"/>
+                <a:cs typeface="+mj-cs"/>
+                <a:sym typeface="Helvetica"/>
               </a:defRPr>
             </a:pPr>
             <a:r>
-              <a:t>JavaScript </a:t>
-            </a:r>
-            <a:r>
-              <a:t>并不是为大型应用而设计</a:t>
+              <a:t>JavaScript 并不是为大型应用而设计</a:t>
             </a:r>
           </a:p>
         </p:txBody>
@@ -6266,7 +6215,7 @@
         <p:spPr>
           <a:xfrm>
             <a:off x="4456672" y="4747605"/>
-            <a:ext cx="5079215" cy="637537"/>
+            <a:ext cx="5079216" cy="637537"/>
           </a:xfrm>
           <a:prstGeom prst="rect">
             <a:avLst/>
@@ -6296,6 +6245,10 @@
                 <a:solidFill>
                   <a:srgbClr val="FFFFFF"/>
                 </a:solidFill>
+                <a:latin typeface="+mj-lt"/>
+                <a:ea typeface="+mj-ea"/>
+                <a:cs typeface="+mj-cs"/>
+                <a:sym typeface="Helvetica"/>
               </a:defRPr>
             </a:lvl1pPr>
           </a:lstStyle>
@@ -6316,7 +6269,7 @@
         <p:spPr>
           <a:xfrm>
             <a:off x="4456672" y="3711144"/>
-            <a:ext cx="5079215" cy="637537"/>
+            <a:ext cx="5079216" cy="637537"/>
           </a:xfrm>
           <a:prstGeom prst="rect">
             <a:avLst/>
@@ -6346,6 +6299,10 @@
                 <a:solidFill>
                   <a:srgbClr val="FFFFFF"/>
                 </a:solidFill>
+                <a:latin typeface="+mj-lt"/>
+                <a:ea typeface="+mj-ea"/>
+                <a:cs typeface="+mj-cs"/>
+                <a:sym typeface="Helvetica"/>
               </a:defRPr>
             </a:lvl1pPr>
           </a:lstStyle>
@@ -6366,7 +6323,7 @@
         <p:spPr>
           <a:xfrm>
             <a:off x="4456672" y="5784065"/>
-            <a:ext cx="5079215" cy="637537"/>
+            <a:ext cx="5079216" cy="637537"/>
           </a:xfrm>
           <a:prstGeom prst="rect">
             <a:avLst/>
@@ -6396,6 +6353,10 @@
                 <a:solidFill>
                   <a:srgbClr val="FFFFFF"/>
                 </a:solidFill>
+                <a:latin typeface="+mj-lt"/>
+                <a:ea typeface="+mj-ea"/>
+                <a:cs typeface="+mj-cs"/>
+                <a:sym typeface="Helvetica"/>
               </a:defRPr>
             </a:lvl1pPr>
           </a:lstStyle>
@@ -6459,8 +6420,8 @@
         </p:nvSpPr>
         <p:spPr>
           <a:xfrm>
-            <a:off x="1431154" y="4394199"/>
-            <a:ext cx="11539492" cy="812801"/>
+            <a:off x="1431153" y="4394198"/>
+            <a:ext cx="11539494" cy="812801"/>
           </a:xfrm>
           <a:prstGeom prst="rect">
             <a:avLst/>
@@ -6488,6 +6449,10 @@
                 <a:solidFill>
                   <a:srgbClr val="FFFFFF"/>
                 </a:solidFill>
+                <a:latin typeface="+mj-lt"/>
+                <a:ea typeface="+mj-ea"/>
+                <a:cs typeface="+mj-cs"/>
+                <a:sym typeface="Helvetica"/>
               </a:defRPr>
             </a:pPr>
             <a:r>
@@ -6548,7 +6513,7 @@
         </p:nvSpPr>
         <p:spPr>
           <a:xfrm>
-            <a:off x="1740122" y="3873498"/>
+            <a:off x="1740122" y="4648199"/>
             <a:ext cx="10921556" cy="1498601"/>
           </a:xfrm>
           <a:prstGeom prst="rect">
@@ -6574,6 +6539,10 @@
                 <a:solidFill>
                   <a:srgbClr val="FFFFFF"/>
                 </a:solidFill>
+                <a:latin typeface="+mj-lt"/>
+                <a:ea typeface="+mj-ea"/>
+                <a:cs typeface="+mj-cs"/>
+                <a:sym typeface="Helvetica"/>
               </a:defRPr>
             </a:pPr>
             <a:r>
@@ -6857,10 +6826,10 @@
             </a:solidFill>
             <a:effectLst/>
             <a:uFillTx/>
-            <a:latin typeface="+mj-lt"/>
-            <a:ea typeface="+mj-ea"/>
-            <a:cs typeface="+mj-cs"/>
-            <a:sym typeface="Helvetica"/>
+            <a:latin typeface="+mn-lt"/>
+            <a:ea typeface="+mn-ea"/>
+            <a:cs typeface="+mn-cs"/>
+            <a:sym typeface="Lucida Grande"/>
           </a:defRPr>
         </a:defPPr>
         <a:lvl1pPr marL="0" marR="0" indent="0" algn="l" defTabSz="914400" rtl="0" fontAlgn="auto" latinLnBrk="1" hangingPunct="0">
@@ -7434,10 +7403,10 @@
             </a:solidFill>
             <a:effectLst/>
             <a:uFillTx/>
-            <a:latin typeface="+mj-lt"/>
-            <a:ea typeface="+mj-ea"/>
-            <a:cs typeface="+mj-cs"/>
-            <a:sym typeface="Helvetica"/>
+            <a:latin typeface="+mn-lt"/>
+            <a:ea typeface="+mn-ea"/>
+            <a:cs typeface="+mn-cs"/>
+            <a:sym typeface="Lucida Grande"/>
           </a:defRPr>
         </a:defPPr>
         <a:lvl1pPr marL="0" marR="0" indent="0" algn="l" defTabSz="914400" rtl="0" fontAlgn="auto" latinLnBrk="1" hangingPunct="0">
@@ -7941,10 +7910,10 @@
             </a:solidFill>
             <a:effectLst/>
             <a:uFillTx/>
-            <a:latin typeface="+mj-lt"/>
-            <a:ea typeface="+mj-ea"/>
-            <a:cs typeface="+mj-cs"/>
-            <a:sym typeface="Helvetica"/>
+            <a:latin typeface="+mn-lt"/>
+            <a:ea typeface="+mn-ea"/>
+            <a:cs typeface="+mn-cs"/>
+            <a:sym typeface="Lucida Grande"/>
           </a:defRPr>
         </a:defPPr>
         <a:lvl1pPr marL="0" marR="0" indent="0" algn="l" defTabSz="914400" rtl="0" fontAlgn="auto" latinLnBrk="1" hangingPunct="0">
@@ -8518,10 +8487,10 @@
             </a:solidFill>
             <a:effectLst/>
             <a:uFillTx/>
-            <a:latin typeface="+mj-lt"/>
-            <a:ea typeface="+mj-ea"/>
-            <a:cs typeface="+mj-cs"/>
-            <a:sym typeface="Helvetica"/>
+            <a:latin typeface="+mn-lt"/>
+            <a:ea typeface="+mn-ea"/>
+            <a:cs typeface="+mn-cs"/>
+            <a:sym typeface="Lucida Grande"/>
           </a:defRPr>
         </a:defPPr>
         <a:lvl1pPr marL="0" marR="0" indent="0" algn="l" defTabSz="914400" rtl="0" fontAlgn="auto" latinLnBrk="1" hangingPunct="0">

--- a/ppt/typescript.pptx
+++ b/ppt/typescript.pptx
@@ -33,6 +33,11 @@
     <p:sldId id="278" r:id="rId30"/>
     <p:sldId id="279" r:id="rId31"/>
     <p:sldId id="280" r:id="rId32"/>
+    <p:sldId id="281" r:id="rId33"/>
+    <p:sldId id="282" r:id="rId34"/>
+    <p:sldId id="283" r:id="rId35"/>
+    <p:sldId id="284" r:id="rId36"/>
+    <p:sldId id="285" r:id="rId37"/>
   </p:sldIdLst>
   <p:sldSz cx="14401800" cy="10795000"/>
   <p:notesSz cx="6858000" cy="9144000"/>
@@ -341,6 +346,602 @@
 <p:cmAuthorLst xmlns:a="http://schemas.openxmlformats.org/drawingml/2006/main" xmlns:r="http://schemas.openxmlformats.org/officeDocument/2006/relationships" xmlns:p="http://schemas.openxmlformats.org/presentationml/2006/main"/>
 </file>
 
+<file path=ppt/charts/chart1.xml><?xml version="1.0" encoding="utf-8"?>
+<c:chartSpace xmlns:c="http://schemas.openxmlformats.org/drawingml/2006/chart" xmlns:a="http://schemas.openxmlformats.org/drawingml/2006/main" xmlns:r="http://schemas.openxmlformats.org/officeDocument/2006/relationships">
+  <c:date1904 val="1"/>
+  <c:roundedCorners val="0"/>
+  <c:chart>
+    <c:autoTitleDeleted val="1"/>
+    <c:plotArea>
+      <c:layout>
+        <c:manualLayout>
+          <c:layoutTarget val="inner"/>
+          <c:xMode val="edge"/>
+          <c:yMode val="edge"/>
+          <c:x val="0.005"/>
+          <c:y val="0.005"/>
+          <c:w val="0.99"/>
+          <c:h val="0.9875"/>
+        </c:manualLayout>
+      </c:layout>
+      <c:pieChart>
+        <c:varyColors val="0"/>
+        <c:ser>
+          <c:idx val="0"/>
+          <c:order val="0"/>
+          <c:tx>
+            <c:strRef>
+              <c:f>Sheet1!$A$2</c:f>
+              <c:strCache>
+                <c:ptCount val="1"/>
+                <c:pt idx="0">
+                  <c:v>Region 1</c:v>
+                </c:pt>
+              </c:strCache>
+            </c:strRef>
+          </c:tx>
+          <c:spPr>
+            <a:solidFill>
+              <a:srgbClr val="10A997"/>
+            </a:solidFill>
+            <a:ln w="3175" cap="flat">
+              <a:solidFill>
+                <a:srgbClr val="FFFFFF"/>
+              </a:solidFill>
+              <a:prstDash val="solid"/>
+              <a:miter lim="400000"/>
+            </a:ln>
+            <a:effectLst>
+              <a:outerShdw sx="100000" sy="100000" kx="0" ky="0" algn="tl" rotWithShape="1" blurRad="0" dist="0" dir="5400000">
+                <a:srgbClr val="000000">
+                  <a:alpha val="0"/>
+                </a:srgbClr>
+              </a:outerShdw>
+            </a:effectLst>
+          </c:spPr>
+          <c:explosion val="0"/>
+          <c:dPt>
+            <c:idx val="0"/>
+            <c:explosion val="0"/>
+            <c:spPr>
+              <a:solidFill>
+                <a:srgbClr val="10A997"/>
+              </a:solidFill>
+              <a:ln w="3175" cap="flat">
+                <a:solidFill>
+                  <a:srgbClr val="FFFFFF"/>
+                </a:solidFill>
+                <a:prstDash val="solid"/>
+                <a:miter lim="400000"/>
+              </a:ln>
+              <a:effectLst>
+                <a:outerShdw sx="100000" sy="100000" kx="0" ky="0" algn="tl" rotWithShape="1" blurRad="0" dist="0" dir="5400000">
+                  <a:srgbClr val="000000">
+                    <a:alpha val="0"/>
+                  </a:srgbClr>
+                </a:outerShdw>
+              </a:effectLst>
+            </c:spPr>
+          </c:dPt>
+          <c:dPt>
+            <c:idx val="1"/>
+            <c:explosion val="0"/>
+            <c:spPr>
+              <a:solidFill>
+                <a:srgbClr val="12BDAA"/>
+              </a:solidFill>
+              <a:ln w="3175" cap="flat">
+                <a:solidFill>
+                  <a:srgbClr val="F9F9F9"/>
+                </a:solidFill>
+                <a:prstDash val="solid"/>
+                <a:round/>
+              </a:ln>
+              <a:effectLst>
+                <a:outerShdw sx="100000" sy="100000" kx="0" ky="0" algn="tl" rotWithShape="1" blurRad="0" dist="0" dir="5400000">
+                  <a:srgbClr val="000000">
+                    <a:alpha val="0"/>
+                  </a:srgbClr>
+                </a:outerShdw>
+              </a:effectLst>
+            </c:spPr>
+          </c:dPt>
+          <c:dPt>
+            <c:idx val="2"/>
+            <c:explosion val="0"/>
+            <c:spPr>
+              <a:solidFill>
+                <a:srgbClr val="14D2BC"/>
+              </a:solidFill>
+              <a:ln w="3175" cap="flat">
+                <a:solidFill>
+                  <a:srgbClr val="FFFFFF"/>
+                </a:solidFill>
+                <a:prstDash val="solid"/>
+                <a:round/>
+              </a:ln>
+              <a:effectLst>
+                <a:outerShdw sx="100000" sy="100000" kx="0" ky="0" algn="tl" rotWithShape="1" blurRad="0" dist="0" dir="5400000">
+                  <a:srgbClr val="000000">
+                    <a:alpha val="0"/>
+                  </a:srgbClr>
+                </a:outerShdw>
+              </a:effectLst>
+            </c:spPr>
+          </c:dPt>
+          <c:dLbls>
+            <c:dLbl>
+              <c:idx val="0"/>
+              <c:numFmt formatCode="#,##0%" sourceLinked="0"/>
+              <c:txPr>
+                <a:bodyPr/>
+                <a:lstStyle/>
+                <a:p>
+                  <a:pPr>
+                    <a:defRPr b="0" i="0" strike="noStrike" sz="1800" u="none">
+                      <a:solidFill>
+                        <a:srgbClr val="FFFFFF"/>
+                      </a:solidFill>
+                      <a:latin typeface="Lucida Grande"/>
+                    </a:defRPr>
+                  </a:pPr>
+                </a:p>
+              </c:txPr>
+              <c:dLblPos val="outEnd"/>
+              <c:showLegendKey val="0"/>
+              <c:showVal val="0"/>
+              <c:showCatName val="1"/>
+              <c:showSerName val="0"/>
+              <c:showPercent val="1"/>
+              <c:showBubbleSize val="0"/>
+            </c:dLbl>
+            <c:dLbl>
+              <c:idx val="1"/>
+              <c:numFmt formatCode="#,##0%" sourceLinked="0"/>
+              <c:txPr>
+                <a:bodyPr/>
+                <a:lstStyle/>
+                <a:p>
+                  <a:pPr>
+                    <a:defRPr b="0" i="0" strike="noStrike" sz="1800" u="none">
+                      <a:solidFill>
+                        <a:srgbClr val="FFFFFF"/>
+                      </a:solidFill>
+                      <a:latin typeface="Lucida Grande"/>
+                    </a:defRPr>
+                  </a:pPr>
+                </a:p>
+              </c:txPr>
+              <c:dLblPos val="outEnd"/>
+              <c:showLegendKey val="0"/>
+              <c:showVal val="0"/>
+              <c:showCatName val="1"/>
+              <c:showSerName val="0"/>
+              <c:showPercent val="1"/>
+              <c:showBubbleSize val="0"/>
+            </c:dLbl>
+            <c:dLbl>
+              <c:idx val="2"/>
+              <c:numFmt formatCode="#,##0%" sourceLinked="0"/>
+              <c:txPr>
+                <a:bodyPr/>
+                <a:lstStyle/>
+                <a:p>
+                  <a:pPr>
+                    <a:defRPr b="0" i="0" strike="noStrike" sz="1800" u="none">
+                      <a:solidFill>
+                        <a:srgbClr val="FFFFFF"/>
+                      </a:solidFill>
+                      <a:latin typeface="Lucida Grande"/>
+                    </a:defRPr>
+                  </a:pPr>
+                </a:p>
+              </c:txPr>
+              <c:dLblPos val="outEnd"/>
+              <c:showLegendKey val="0"/>
+              <c:showVal val="0"/>
+              <c:showCatName val="1"/>
+              <c:showSerName val="0"/>
+              <c:showPercent val="1"/>
+              <c:showBubbleSize val="0"/>
+            </c:dLbl>
+            <c:numFmt formatCode="#,##0%" sourceLinked="0"/>
+            <c:txPr>
+              <a:bodyPr/>
+              <a:lstStyle/>
+              <a:p>
+                <a:pPr>
+                  <a:defRPr b="0" i="0" strike="noStrike" sz="1800" u="none">
+                    <a:solidFill>
+                      <a:srgbClr val="FFFFFF"/>
+                    </a:solidFill>
+                    <a:latin typeface="Lucida Grande"/>
+                  </a:defRPr>
+                </a:pPr>
+              </a:p>
+            </c:txPr>
+            <c:dLblPos val="outEnd"/>
+            <c:showLegendKey val="0"/>
+            <c:showVal val="0"/>
+            <c:showCatName val="1"/>
+            <c:showSerName val="0"/>
+            <c:showPercent val="1"/>
+            <c:showBubbleSize val="0"/>
+            <c:showLeaderLines val="1"/>
+            <c:leaderLines>
+              <c:spPr>
+                <a:noFill/>
+                <a:ln w="6350" cap="flat">
+                  <a:solidFill>
+                    <a:srgbClr val="FFFFFF"/>
+                  </a:solidFill>
+                  <a:prstDash val="solid"/>
+                  <a:miter lim="400000"/>
+                </a:ln>
+                <a:effectLst/>
+              </c:spPr>
+            </c:leaderLines>
+          </c:dLbls>
+          <c:cat>
+            <c:strRef>
+              <c:f>Sheet1!$B$1:$D$1</c:f>
+              <c:strCache>
+                <c:ptCount val="3"/>
+                <c:pt idx="0">
+                  <c:v>Understand</c:v>
+                </c:pt>
+                <c:pt idx="1">
+                  <c:v>Maintain</c:v>
+                </c:pt>
+                <c:pt idx="2">
+                  <c:v>Create</c:v>
+                </c:pt>
+              </c:strCache>
+            </c:strRef>
+          </c:cat>
+          <c:val>
+            <c:numRef>
+              <c:f>Sheet1!$B$2:$D$2</c:f>
+              <c:numCache>
+                <c:ptCount val="3"/>
+                <c:pt idx="0">
+                  <c:v>70.000000</c:v>
+                </c:pt>
+                <c:pt idx="1">
+                  <c:v>25.000000</c:v>
+                </c:pt>
+                <c:pt idx="2">
+                  <c:v>5.000000</c:v>
+                </c:pt>
+              </c:numCache>
+            </c:numRef>
+          </c:val>
+        </c:ser>
+        <c:firstSliceAng val="0"/>
+      </c:pieChart>
+      <c:spPr>
+        <a:noFill/>
+        <a:ln w="12700" cap="flat">
+          <a:noFill/>
+          <a:miter lim="400000"/>
+        </a:ln>
+        <a:effectLst/>
+      </c:spPr>
+    </c:plotArea>
+    <c:plotVisOnly val="1"/>
+    <c:dispBlanksAs val="gap"/>
+  </c:chart>
+  <c:spPr>
+    <a:noFill/>
+    <a:ln>
+      <a:noFill/>
+    </a:ln>
+    <a:effectLst/>
+  </c:spPr>
+  <c:externalData r:id="rId1">
+    <c:autoUpdate val="0"/>
+  </c:externalData>
+</c:chartSpace>
+</file>
+
+<file path=ppt/charts/chart2.xml><?xml version="1.0" encoding="utf-8"?>
+<c:chartSpace xmlns:c="http://schemas.openxmlformats.org/drawingml/2006/chart" xmlns:a="http://schemas.openxmlformats.org/drawingml/2006/main" xmlns:r="http://schemas.openxmlformats.org/officeDocument/2006/relationships">
+  <c:date1904 val="1"/>
+  <c:roundedCorners val="0"/>
+  <c:chart>
+    <c:autoTitleDeleted val="1"/>
+    <c:plotArea>
+      <c:layout>
+        <c:manualLayout>
+          <c:layoutTarget val="inner"/>
+          <c:xMode val="edge"/>
+          <c:yMode val="edge"/>
+          <c:x val="0.005"/>
+          <c:y val="0.005"/>
+          <c:w val="0.99"/>
+          <c:h val="0.9875"/>
+        </c:manualLayout>
+      </c:layout>
+      <c:pieChart>
+        <c:varyColors val="0"/>
+        <c:ser>
+          <c:idx val="0"/>
+          <c:order val="0"/>
+          <c:tx>
+            <c:strRef>
+              <c:f>Sheet1!$A$2</c:f>
+              <c:strCache>
+                <c:ptCount val="1"/>
+                <c:pt idx="0">
+                  <c:v>Region 1</c:v>
+                </c:pt>
+              </c:strCache>
+            </c:strRef>
+          </c:tx>
+          <c:spPr>
+            <a:solidFill>
+              <a:srgbClr val="10A997"/>
+            </a:solidFill>
+            <a:ln w="3175" cap="flat">
+              <a:solidFill>
+                <a:srgbClr val="FFFFFF"/>
+              </a:solidFill>
+              <a:prstDash val="solid"/>
+              <a:miter lim="400000"/>
+            </a:ln>
+            <a:effectLst>
+              <a:outerShdw sx="100000" sy="100000" kx="0" ky="0" algn="tl" rotWithShape="1" blurRad="0" dist="0" dir="5400000">
+                <a:srgbClr val="000000">
+                  <a:alpha val="0"/>
+                </a:srgbClr>
+              </a:outerShdw>
+            </a:effectLst>
+          </c:spPr>
+          <c:explosion val="0"/>
+          <c:dPt>
+            <c:idx val="0"/>
+            <c:explosion val="0"/>
+            <c:spPr>
+              <a:solidFill>
+                <a:srgbClr val="10A997"/>
+              </a:solidFill>
+              <a:ln w="3175" cap="flat">
+                <a:solidFill>
+                  <a:srgbClr val="FFFFFF"/>
+                </a:solidFill>
+                <a:prstDash val="solid"/>
+                <a:miter lim="400000"/>
+              </a:ln>
+              <a:effectLst>
+                <a:outerShdw sx="100000" sy="100000" kx="0" ky="0" algn="tl" rotWithShape="1" blurRad="0" dist="0" dir="5400000">
+                  <a:srgbClr val="000000">
+                    <a:alpha val="0"/>
+                  </a:srgbClr>
+                </a:outerShdw>
+              </a:effectLst>
+            </c:spPr>
+          </c:dPt>
+          <c:dPt>
+            <c:idx val="1"/>
+            <c:explosion val="0"/>
+            <c:spPr>
+              <a:solidFill>
+                <a:srgbClr val="12BDAA"/>
+              </a:solidFill>
+              <a:ln w="3175" cap="flat">
+                <a:solidFill>
+                  <a:srgbClr val="F9F9F9"/>
+                </a:solidFill>
+                <a:prstDash val="solid"/>
+                <a:round/>
+              </a:ln>
+              <a:effectLst>
+                <a:outerShdw sx="100000" sy="100000" kx="0" ky="0" algn="tl" rotWithShape="1" blurRad="0" dist="0" dir="5400000">
+                  <a:srgbClr val="000000">
+                    <a:alpha val="0"/>
+                  </a:srgbClr>
+                </a:outerShdw>
+              </a:effectLst>
+            </c:spPr>
+          </c:dPt>
+          <c:dPt>
+            <c:idx val="2"/>
+            <c:explosion val="0"/>
+            <c:spPr>
+              <a:solidFill>
+                <a:srgbClr val="14D2BC"/>
+              </a:solidFill>
+              <a:ln w="3175" cap="flat">
+                <a:solidFill>
+                  <a:srgbClr val="FFFFFF"/>
+                </a:solidFill>
+                <a:prstDash val="solid"/>
+                <a:round/>
+              </a:ln>
+              <a:effectLst>
+                <a:outerShdw sx="100000" sy="100000" kx="0" ky="0" algn="tl" rotWithShape="1" blurRad="0" dist="0" dir="5400000">
+                  <a:srgbClr val="000000">
+                    <a:alpha val="0"/>
+                  </a:srgbClr>
+                </a:outerShdw>
+              </a:effectLst>
+            </c:spPr>
+          </c:dPt>
+          <c:dLbls>
+            <c:dLbl>
+              <c:idx val="0"/>
+              <c:numFmt formatCode="#,##0%" sourceLinked="0"/>
+              <c:txPr>
+                <a:bodyPr/>
+                <a:lstStyle/>
+                <a:p>
+                  <a:pPr>
+                    <a:defRPr b="0" i="0" strike="noStrike" sz="1800" u="none">
+                      <a:solidFill>
+                        <a:srgbClr val="FFFFFF"/>
+                      </a:solidFill>
+                      <a:latin typeface="Lucida Grande"/>
+                    </a:defRPr>
+                  </a:pPr>
+                </a:p>
+              </c:txPr>
+              <c:dLblPos val="outEnd"/>
+              <c:showLegendKey val="0"/>
+              <c:showVal val="0"/>
+              <c:showCatName val="1"/>
+              <c:showSerName val="0"/>
+              <c:showPercent val="1"/>
+              <c:showBubbleSize val="0"/>
+            </c:dLbl>
+            <c:dLbl>
+              <c:idx val="1"/>
+              <c:numFmt formatCode="#,##0%" sourceLinked="0"/>
+              <c:txPr>
+                <a:bodyPr/>
+                <a:lstStyle/>
+                <a:p>
+                  <a:pPr>
+                    <a:defRPr b="0" i="0" strike="noStrike" sz="1800" u="none">
+                      <a:solidFill>
+                        <a:srgbClr val="FFFFFF"/>
+                      </a:solidFill>
+                      <a:latin typeface="Lucida Grande"/>
+                    </a:defRPr>
+                  </a:pPr>
+                </a:p>
+              </c:txPr>
+              <c:dLblPos val="outEnd"/>
+              <c:showLegendKey val="0"/>
+              <c:showVal val="0"/>
+              <c:showCatName val="1"/>
+              <c:showSerName val="0"/>
+              <c:showPercent val="1"/>
+              <c:showBubbleSize val="0"/>
+            </c:dLbl>
+            <c:dLbl>
+              <c:idx val="2"/>
+              <c:numFmt formatCode="#,##0%" sourceLinked="0"/>
+              <c:txPr>
+                <a:bodyPr/>
+                <a:lstStyle/>
+                <a:p>
+                  <a:pPr>
+                    <a:defRPr b="0" i="0" strike="noStrike" sz="1800" u="none">
+                      <a:solidFill>
+                        <a:srgbClr val="FFFFFF"/>
+                      </a:solidFill>
+                      <a:latin typeface="Lucida Grande"/>
+                    </a:defRPr>
+                  </a:pPr>
+                </a:p>
+              </c:txPr>
+              <c:dLblPos val="outEnd"/>
+              <c:showLegendKey val="0"/>
+              <c:showVal val="0"/>
+              <c:showCatName val="1"/>
+              <c:showSerName val="0"/>
+              <c:showPercent val="1"/>
+              <c:showBubbleSize val="0"/>
+            </c:dLbl>
+            <c:numFmt formatCode="#,##0%" sourceLinked="0"/>
+            <c:txPr>
+              <a:bodyPr/>
+              <a:lstStyle/>
+              <a:p>
+                <a:pPr>
+                  <a:defRPr b="0" i="0" strike="noStrike" sz="1800" u="none">
+                    <a:solidFill>
+                      <a:srgbClr val="FFFFFF"/>
+                    </a:solidFill>
+                    <a:latin typeface="Lucida Grande"/>
+                  </a:defRPr>
+                </a:pPr>
+              </a:p>
+            </c:txPr>
+            <c:dLblPos val="outEnd"/>
+            <c:showLegendKey val="0"/>
+            <c:showVal val="0"/>
+            <c:showCatName val="1"/>
+            <c:showSerName val="0"/>
+            <c:showPercent val="1"/>
+            <c:showBubbleSize val="0"/>
+            <c:showLeaderLines val="1"/>
+            <c:leaderLines>
+              <c:spPr>
+                <a:noFill/>
+                <a:ln w="6350" cap="flat">
+                  <a:solidFill>
+                    <a:srgbClr val="FFFFFF"/>
+                  </a:solidFill>
+                  <a:prstDash val="solid"/>
+                  <a:miter lim="400000"/>
+                </a:ln>
+                <a:effectLst/>
+              </c:spPr>
+            </c:leaderLines>
+          </c:dLbls>
+          <c:cat>
+            <c:strRef>
+              <c:f>Sheet1!$B$1:$D$1</c:f>
+              <c:strCache>
+                <c:ptCount val="3"/>
+                <c:pt idx="0">
+                  <c:v>Understand</c:v>
+                </c:pt>
+                <c:pt idx="1">
+                  <c:v>Maintain</c:v>
+                </c:pt>
+                <c:pt idx="2">
+                  <c:v>Create</c:v>
+                </c:pt>
+              </c:strCache>
+            </c:strRef>
+          </c:cat>
+          <c:val>
+            <c:numRef>
+              <c:f>Sheet1!$B$2:$D$2</c:f>
+              <c:numCache>
+                <c:ptCount val="3"/>
+                <c:pt idx="0">
+                  <c:v>65.000000</c:v>
+                </c:pt>
+                <c:pt idx="1">
+                  <c:v>20.000000</c:v>
+                </c:pt>
+                <c:pt idx="2">
+                  <c:v>15.000000</c:v>
+                </c:pt>
+              </c:numCache>
+            </c:numRef>
+          </c:val>
+        </c:ser>
+        <c:firstSliceAng val="0"/>
+      </c:pieChart>
+      <c:spPr>
+        <a:noFill/>
+        <a:ln w="12700" cap="flat">
+          <a:noFill/>
+          <a:miter lim="400000"/>
+        </a:ln>
+        <a:effectLst/>
+      </c:spPr>
+    </c:plotArea>
+    <c:plotVisOnly val="1"/>
+    <c:dispBlanksAs val="gap"/>
+  </c:chart>
+  <c:spPr>
+    <a:noFill/>
+    <a:ln>
+      <a:noFill/>
+    </a:ln>
+    <a:effectLst/>
+  </c:spPr>
+  <c:externalData r:id="rId1">
+    <c:autoUpdate val="0"/>
+  </c:externalData>
+</c:chartSpace>
+</file>
+
 <file path=ppt/notesMasters/notesMaster1.xml><?xml version="1.0" encoding="utf-8"?>
 <p:notesMaster xmlns:a="http://schemas.openxmlformats.org/drawingml/2006/main" xmlns:r="http://schemas.openxmlformats.org/officeDocument/2006/relationships" xmlns:p="http://schemas.openxmlformats.org/presentationml/2006/main">
   <p:cSld>
@@ -1156,7 +1757,7 @@
                 <a:sym typeface="微軟正黑體"/>
               </a:defRPr>
             </a:lvl3pPr>
-            <a:lvl4pPr marL="2740636">
+            <a:lvl4pPr>
               <a:defRPr>
                 <a:latin typeface="微軟正黑體"/>
                 <a:ea typeface="微軟正黑體"/>
@@ -1397,7 +1998,7 @@
         <p:spPr>
           <a:xfrm>
             <a:off x="1137641" y="6939846"/>
-            <a:ext cx="12241533" cy="2144958"/>
+            <a:ext cx="12241533" cy="2144959"/>
           </a:xfrm>
           <a:prstGeom prst="rect">
             <a:avLst/>
@@ -1863,8 +2464,8 @@
         </p:nvSpPr>
         <p:spPr>
           <a:xfrm>
-            <a:off x="720086" y="2417447"/>
-            <a:ext cx="6363305" cy="1007481"/>
+            <a:off x="720085" y="2417446"/>
+            <a:ext cx="6363306" cy="1007483"/>
           </a:xfrm>
           <a:prstGeom prst="rect">
             <a:avLst/>
@@ -2279,7 +2880,7 @@
         <p:spPr>
           <a:xfrm>
             <a:off x="2822854" y="7559833"/>
-            <a:ext cx="8641082" cy="892486"/>
+            <a:ext cx="8641082" cy="892487"/>
           </a:xfrm>
           <a:prstGeom prst="rect">
             <a:avLst/>
@@ -2311,7 +2912,7 @@
         <p:spPr>
           <a:xfrm>
             <a:off x="2822854" y="8452315"/>
-            <a:ext cx="8641082" cy="1267476"/>
+            <a:ext cx="8641082" cy="1267477"/>
           </a:xfrm>
           <a:prstGeom prst="rect">
             <a:avLst/>
@@ -3444,8 +4045,8 @@
         </p:nvSpPr>
         <p:spPr>
           <a:xfrm>
-            <a:off x="5758948" y="6552009"/>
-            <a:ext cx="2858846" cy="1386837"/>
+            <a:off x="6590032" y="5853509"/>
+            <a:ext cx="1221737" cy="878837"/>
           </a:xfrm>
           <a:prstGeom prst="rect">
             <a:avLst/>
@@ -3463,9 +4064,8 @@
           <a:bodyPr wrap="none" lIns="45718" tIns="45718" rIns="45718" bIns="45718">
             <a:spAutoFit/>
           </a:bodyPr>
-          <a:lstStyle/>
-          <a:p>
-            <a:pPr algn="ctr">
+          <a:lstStyle>
+            <a:lvl1pPr algn="ctr">
               <a:defRPr sz="4400">
                 <a:solidFill>
                   <a:srgbClr val="FFFFFF"/>
@@ -3475,25 +4075,12 @@
                 <a:cs typeface="Trebuchet MS"/>
                 <a:sym typeface="Trebuchet MS"/>
               </a:defRPr>
-            </a:pPr>
-            <a:r>
-              <a:t>Jack Guo</a:t>
-            </a:r>
-          </a:p>
-          <a:p>
-            <a:pPr algn="ctr">
-              <a:defRPr sz="4400">
-                <a:solidFill>
-                  <a:srgbClr val="FFFFFF"/>
-                </a:solidFill>
-                <a:latin typeface="Trebuchet MS"/>
-                <a:ea typeface="Trebuchet MS"/>
-                <a:cs typeface="Trebuchet MS"/>
-                <a:sym typeface="Trebuchet MS"/>
-              </a:defRPr>
-            </a:pPr>
-            <a:r>
-              <a:t>2018-03-20</a:t>
+            </a:lvl1pPr>
+          </a:lstStyle>
+          <a:p>
+            <a:pPr/>
+            <a:r>
+              <a:t>三毛</a:t>
             </a:r>
           </a:p>
         </p:txBody>
@@ -3506,7 +4093,7 @@
         </p:nvSpPr>
         <p:spPr>
           <a:xfrm>
-            <a:off x="1751770" y="3599681"/>
+            <a:off x="1904170" y="4120381"/>
             <a:ext cx="10873208" cy="1259837"/>
           </a:xfrm>
           <a:prstGeom prst="rect">
@@ -3525,9 +4112,8 @@
           <a:bodyPr lIns="45718" tIns="45718" rIns="45718" bIns="45718">
             <a:spAutoFit/>
           </a:bodyPr>
-          <a:lstStyle/>
-          <a:p>
-            <a:pPr algn="ctr">
+          <a:lstStyle>
+            <a:lvl1pPr algn="ctr">
               <a:defRPr sz="6600">
                 <a:solidFill>
                   <a:srgbClr val="FFFFFF"/>
@@ -3537,21 +4123,12 @@
                 <a:cs typeface="Trebuchet MS"/>
                 <a:sym typeface="Trebuchet MS"/>
               </a:defRPr>
-            </a:pPr>
-            <a:r>
-              <a:t>TypeScript</a:t>
-            </a:r>
-            <a:r>
-              <a:rPr>
-                <a:latin typeface="+mj-lt"/>
-                <a:ea typeface="+mj-ea"/>
-                <a:cs typeface="+mj-cs"/>
-                <a:sym typeface="Helvetica"/>
-              </a:rPr>
-              <a:t> 介绍</a:t>
-            </a:r>
-            <a:r>
-              <a:t>（一）</a:t>
+            </a:lvl1pPr>
+          </a:lstStyle>
+          <a:p>
+            <a:pPr/>
+            <a:r>
+              <a:t>TypeScript（一）</a:t>
             </a:r>
           </a:p>
         </p:txBody>
@@ -3598,7 +4175,7 @@
         <p:spPr>
           <a:xfrm>
             <a:off x="4765340" y="3928107"/>
-            <a:ext cx="4871121" cy="647701"/>
+            <a:ext cx="4871122" cy="647701"/>
           </a:xfrm>
           <a:prstGeom prst="rect">
             <a:avLst/>
@@ -3644,7 +4221,7 @@
         <p:spPr>
           <a:xfrm>
             <a:off x="4765340" y="2800349"/>
-            <a:ext cx="4871121" cy="647701"/>
+            <a:ext cx="4871122" cy="647701"/>
           </a:xfrm>
           <a:prstGeom prst="rect">
             <a:avLst/>
@@ -3690,7 +4267,7 @@
         <p:spPr>
           <a:xfrm>
             <a:off x="4765340" y="1672588"/>
-            <a:ext cx="4871121" cy="647701"/>
+            <a:ext cx="4871122" cy="647701"/>
           </a:xfrm>
           <a:prstGeom prst="rect">
             <a:avLst/>
@@ -3736,7 +4313,7 @@
         <p:spPr>
           <a:xfrm>
             <a:off x="4765340" y="5055868"/>
-            <a:ext cx="4871121" cy="647701"/>
+            <a:ext cx="4871122" cy="647701"/>
           </a:xfrm>
           <a:prstGeom prst="rect">
             <a:avLst/>
@@ -3781,8 +4358,8 @@
         </p:nvSpPr>
         <p:spPr>
           <a:xfrm>
-            <a:off x="4765340" y="6183627"/>
-            <a:ext cx="4871121" cy="647701"/>
+            <a:off x="4765340" y="6183626"/>
+            <a:ext cx="4871122" cy="647701"/>
           </a:xfrm>
           <a:prstGeom prst="rect">
             <a:avLst/>
@@ -3828,7 +4405,7 @@
         <p:spPr>
           <a:xfrm>
             <a:off x="4765340" y="7311387"/>
-            <a:ext cx="4871121" cy="647701"/>
+            <a:ext cx="4871122" cy="647701"/>
           </a:xfrm>
           <a:prstGeom prst="rect">
             <a:avLst/>
@@ -4074,7 +4651,7 @@
         <p:spPr>
           <a:xfrm>
             <a:off x="3586660" y="529822"/>
-            <a:ext cx="7228480" cy="9735355"/>
+            <a:ext cx="7228480" cy="9735356"/>
           </a:xfrm>
           <a:prstGeom prst="rect">
             <a:avLst/>
@@ -4137,7 +4714,7 @@
         <p:spPr>
           <a:xfrm>
             <a:off x="4896089" y="2988689"/>
-            <a:ext cx="5112092" cy="4817619"/>
+            <a:ext cx="5112093" cy="4817619"/>
           </a:xfrm>
           <a:prstGeom prst="rect">
             <a:avLst/>
@@ -4185,7 +4762,7 @@
         <p:spPr>
           <a:xfrm>
             <a:off x="4226381" y="4850131"/>
-            <a:ext cx="5949039" cy="1094737"/>
+            <a:ext cx="5949040" cy="1094737"/>
           </a:xfrm>
           <a:prstGeom prst="rect">
             <a:avLst/>
@@ -4276,8 +4853,8 @@
         </p:nvSpPr>
         <p:spPr>
           <a:xfrm>
-            <a:off x="2376958" y="4469131"/>
-            <a:ext cx="9647884" cy="942337"/>
+            <a:off x="2214735" y="4500881"/>
+            <a:ext cx="9972330" cy="1793237"/>
           </a:xfrm>
           <a:prstGeom prst="rect">
             <a:avLst/>
@@ -4311,7 +4888,7 @@
           <a:p>
             <a:pPr/>
             <a:r>
-              <a:t>提供 JavaScript 以可选的静态类型</a:t>
+              <a:t>「 Developers should be able to focus on creating amazing things 」</a:t>
             </a:r>
           </a:p>
         </p:txBody>
@@ -4360,54 +4937,287 @@
           <a:chExt cx="0" cy="0"/>
         </a:xfrm>
       </p:grpSpPr>
-      <p:sp>
-        <p:nvSpPr>
-          <p:cNvPr id="171" name="静态类型检查"/>
-          <p:cNvSpPr txBox="1"/>
+      <p:graphicFrame>
+        <p:nvGraphicFramePr>
+          <p:cNvPr id="171" name="Table"/>
+          <p:cNvGraphicFramePr/>
           <p:nvPr/>
-        </p:nvSpPr>
-        <p:spPr>
-          <a:xfrm>
-            <a:off x="3935784" y="4926331"/>
-            <a:ext cx="6530232" cy="942337"/>
-          </a:xfrm>
-          <a:prstGeom prst="rect">
-            <a:avLst/>
-          </a:prstGeom>
-          <a:ln w="12700">
-            <a:miter lim="400000"/>
-          </a:ln>
-          <a:extLst>
-            <a:ext uri="{C572A759-6A51-4108-AA02-DFA0A04FC94B}">
-              <ma14:wrappingTextBoxFlag xmlns:ma14="http://schemas.microsoft.com/office/mac/drawingml/2011/main" val="1"/>
-            </a:ext>
-          </a:extLst>
-        </p:spPr>
-        <p:txBody>
-          <a:bodyPr lIns="45718" tIns="45718" rIns="45718" bIns="45718">
-            <a:spAutoFit/>
-          </a:bodyPr>
-          <a:lstStyle>
-            <a:lvl1pPr>
-              <a:defRPr sz="4800">
-                <a:solidFill>
-                  <a:srgbClr val="FFFFFF"/>
-                </a:solidFill>
-                <a:latin typeface="+mj-lt"/>
-                <a:ea typeface="+mj-ea"/>
-                <a:cs typeface="+mj-cs"/>
-                <a:sym typeface="Helvetica"/>
-              </a:defRPr>
-            </a:lvl1pPr>
-          </a:lstStyle>
-          <a:p>
-            <a:pPr/>
-            <a:r>
-              <a:t>为什么静态类型很重要</a:t>
-            </a:r>
-          </a:p>
-        </p:txBody>
-      </p:sp>
+        </p:nvGraphicFramePr>
+        <p:xfrm>
+          <a:off x="1407618" y="3351705"/>
+          <a:ext cx="11599264" cy="4104290"/>
+        </p:xfrm>
+        <a:graphic xmlns:a="http://schemas.openxmlformats.org/drawingml/2006/main">
+          <a:graphicData uri="http://schemas.openxmlformats.org/drawingml/2006/table">
+            <a:tbl>
+              <a:tblPr firstCol="0" firstRow="0" lastCol="0" lastRow="0" bandCol="0" bandRow="1" rtl="0">
+                <a:tableStyleId>{4C3C2611-4C71-4FC5-86AE-919BDF0F9419}</a:tableStyleId>
+              </a:tblPr>
+              <a:tblGrid>
+                <a:gridCol w="3862187"/>
+                <a:gridCol w="3862187"/>
+                <a:gridCol w="3862187"/>
+              </a:tblGrid>
+              <a:tr h="1510707">
+                <a:tc>
+                  <a:txBody>
+                    <a:bodyPr/>
+                    <a:lstStyle/>
+                    <a:p>
+                      <a:pPr algn="ctr"/>
+                      <a:r>
+                        <a:rPr>
+                          <a:solidFill>
+                            <a:srgbClr val="FFFFFF"/>
+                          </a:solidFill>
+                          <a:sym typeface="Lucida Grande"/>
+                        </a:rPr>
+                        <a:t>Understand Code</a:t>
+                      </a:r>
+                    </a:p>
+                  </a:txBody>
+                  <a:tcPr marL="0" marR="0" marT="0" marB="0" anchor="ctr" anchorCtr="0" horzOverflow="overflow">
+                    <a:noFill/>
+                  </a:tcPr>
+                </a:tc>
+                <a:tc>
+                  <a:txBody>
+                    <a:bodyPr/>
+                    <a:lstStyle/>
+                    <a:p>
+                      <a:pPr algn="ctr"/>
+                      <a:r>
+                        <a:rPr>
+                          <a:solidFill>
+                            <a:srgbClr val="FFFFFF"/>
+                          </a:solidFill>
+                          <a:sym typeface="Lucida Grande"/>
+                        </a:rPr>
+                        <a:t>Maintain Existing Code</a:t>
+                      </a:r>
+                    </a:p>
+                  </a:txBody>
+                  <a:tcPr marL="0" marR="0" marT="0" marB="0" anchor="ctr" anchorCtr="0" horzOverflow="overflow">
+                    <a:noFill/>
+                  </a:tcPr>
+                </a:tc>
+                <a:tc>
+                  <a:txBody>
+                    <a:bodyPr/>
+                    <a:lstStyle/>
+                    <a:p>
+                      <a:pPr algn="ctr"/>
+                      <a:r>
+                        <a:rPr>
+                          <a:solidFill>
+                            <a:srgbClr val="FFFFFF"/>
+                          </a:solidFill>
+                          <a:sym typeface="Lucida Grande"/>
+                        </a:rPr>
+                        <a:t>Write New Code</a:t>
+                      </a:r>
+                    </a:p>
+                  </a:txBody>
+                  <a:tcPr marL="0" marR="0" marT="0" marB="0" anchor="ctr" anchorCtr="0" horzOverflow="overflow">
+                    <a:noFill/>
+                  </a:tcPr>
+                </a:tc>
+              </a:tr>
+              <a:tr h="2580880">
+                <a:tc>
+                  <a:txBody>
+                    <a:bodyPr/>
+                    <a:lstStyle/>
+                    <a:p>
+                      <a:pPr marL="381000" indent="-254000" algn="l">
+                        <a:lnSpc>
+                          <a:spcPct val="150000"/>
+                        </a:lnSpc>
+                        <a:buSzPct val="100000"/>
+                        <a:buChar char="•"/>
+                        <a:defRPr>
+                          <a:solidFill>
+                            <a:srgbClr val="FFFFFF"/>
+                          </a:solidFill>
+                          <a:sym typeface="Lucida Grande"/>
+                        </a:defRPr>
+                      </a:pPr>
+                      <a:r>
+                        <a:t>Read source code</a:t>
+                      </a:r>
+                    </a:p>
+                    <a:p>
+                      <a:pPr marL="381000" indent="-254000" algn="l">
+                        <a:lnSpc>
+                          <a:spcPct val="150000"/>
+                        </a:lnSpc>
+                        <a:buSzPct val="100000"/>
+                        <a:buChar char="•"/>
+                        <a:defRPr>
+                          <a:solidFill>
+                            <a:srgbClr val="FFFFFF"/>
+                          </a:solidFill>
+                          <a:sym typeface="Lucida Grande"/>
+                        </a:defRPr>
+                      </a:pPr>
+                      <a:r>
+                        <a:t>Trace flow of execution</a:t>
+                      </a:r>
+                    </a:p>
+                    <a:p>
+                      <a:pPr marL="381000" indent="-254000" algn="l">
+                        <a:lnSpc>
+                          <a:spcPct val="150000"/>
+                        </a:lnSpc>
+                        <a:buSzPct val="100000"/>
+                        <a:buChar char="•"/>
+                        <a:defRPr>
+                          <a:solidFill>
+                            <a:srgbClr val="FFFFFF"/>
+                          </a:solidFill>
+                          <a:sym typeface="Lucida Grande"/>
+                        </a:defRPr>
+                      </a:pPr>
+                      <a:r>
+                        <a:t>Read library documentation</a:t>
+                      </a:r>
+                    </a:p>
+                    <a:p>
+                      <a:pPr marL="381000" indent="-254000" algn="l">
+                        <a:lnSpc>
+                          <a:spcPct val="150000"/>
+                        </a:lnSpc>
+                        <a:buSzPct val="100000"/>
+                        <a:buChar char="•"/>
+                        <a:defRPr>
+                          <a:solidFill>
+                            <a:srgbClr val="FFFFFF"/>
+                          </a:solidFill>
+                          <a:sym typeface="Lucida Grande"/>
+                        </a:defRPr>
+                      </a:pPr>
+                      <a:r>
+                        <a:t>Find bugs</a:t>
+                      </a:r>
+                    </a:p>
+                  </a:txBody>
+                  <a:tcPr marL="0" marR="0" marT="0" marB="0" anchor="ctr" anchorCtr="0" horzOverflow="overflow">
+                    <a:noFill/>
+                  </a:tcPr>
+                </a:tc>
+                <a:tc>
+                  <a:txBody>
+                    <a:bodyPr/>
+                    <a:lstStyle/>
+                    <a:p>
+                      <a:pPr marL="381000" indent="-254000" algn="l">
+                        <a:lnSpc>
+                          <a:spcPct val="150000"/>
+                        </a:lnSpc>
+                        <a:buSzPct val="100000"/>
+                        <a:buChar char="•"/>
+                        <a:defRPr>
+                          <a:solidFill>
+                            <a:srgbClr val="FFFFFF"/>
+                          </a:solidFill>
+                          <a:sym typeface="Lucida Grande"/>
+                        </a:defRPr>
+                      </a:pPr>
+                      <a:r>
+                        <a:t>Prepare for new features</a:t>
+                      </a:r>
+                    </a:p>
+                    <a:p>
+                      <a:pPr marL="381000" indent="-254000" algn="l">
+                        <a:lnSpc>
+                          <a:spcPct val="150000"/>
+                        </a:lnSpc>
+                        <a:buSzPct val="100000"/>
+                        <a:buChar char="•"/>
+                        <a:defRPr>
+                          <a:solidFill>
+                            <a:srgbClr val="FFFFFF"/>
+                          </a:solidFill>
+                          <a:sym typeface="Lucida Grande"/>
+                        </a:defRPr>
+                      </a:pPr>
+                      <a:r>
+                        <a:t>Fix bugs</a:t>
+                      </a:r>
+                    </a:p>
+                    <a:p>
+                      <a:pPr marL="381000" indent="-254000" algn="l">
+                        <a:lnSpc>
+                          <a:spcPct val="150000"/>
+                        </a:lnSpc>
+                        <a:buSzPct val="100000"/>
+                        <a:buChar char="•"/>
+                        <a:defRPr>
+                          <a:solidFill>
+                            <a:srgbClr val="FFFFFF"/>
+                          </a:solidFill>
+                          <a:sym typeface="Lucida Grande"/>
+                        </a:defRPr>
+                      </a:pPr>
+                      <a:r>
+                        <a:t>Refactor code</a:t>
+                      </a:r>
+                    </a:p>
+                  </a:txBody>
+                  <a:tcPr marL="0" marR="0" marT="0" marB="0" anchor="ctr" anchorCtr="0" horzOverflow="overflow">
+                    <a:noFill/>
+                  </a:tcPr>
+                </a:tc>
+                <a:tc>
+                  <a:txBody>
+                    <a:bodyPr/>
+                    <a:lstStyle/>
+                    <a:p>
+                      <a:pPr marL="381000" indent="-254000" algn="l">
+                        <a:lnSpc>
+                          <a:spcPct val="150000"/>
+                        </a:lnSpc>
+                        <a:buSzPct val="100000"/>
+                        <a:buChar char="•"/>
+                        <a:defRPr>
+                          <a:solidFill>
+                            <a:srgbClr val="FFFFFF"/>
+                          </a:solidFill>
+                          <a:sym typeface="Lucida Grande"/>
+                        </a:defRPr>
+                      </a:pPr>
+                      <a:r>
+                        <a:t>function/class</a:t>
+                      </a:r>
+                    </a:p>
+                    <a:p>
+                      <a:pPr marL="381000" indent="-254000" algn="l">
+                        <a:lnSpc>
+                          <a:spcPct val="150000"/>
+                        </a:lnSpc>
+                        <a:buSzPct val="100000"/>
+                        <a:buChar char="•"/>
+                        <a:defRPr>
+                          <a:solidFill>
+                            <a:srgbClr val="FFFFFF"/>
+                          </a:solidFill>
+                          <a:sym typeface="Lucida Grande"/>
+                        </a:defRPr>
+                      </a:pPr>
+                      <a:r>
+                        <a:t>file/modules</a:t>
+                      </a:r>
+                    </a:p>
+                  </a:txBody>
+                  <a:tcPr marL="0" marR="0" marT="0" marB="0" anchor="ctr" anchorCtr="0" horzOverflow="overflow">
+                    <a:noFill/>
+                  </a:tcPr>
+                </a:tc>
+              </a:tr>
+            </a:tbl>
+          </a:graphicData>
+        </a:graphic>
+      </p:graphicFrame>
     </p:spTree>
   </p:cSld>
   <p:clrMapOvr>
@@ -4452,56 +5262,22 @@
           <a:chExt cx="0" cy="0"/>
         </a:xfrm>
       </p:grpSpPr>
-      <p:sp>
-        <p:nvSpPr>
-          <p:cNvPr id="173" name="静态类型检查"/>
-          <p:cNvSpPr txBox="1"/>
+      <p:graphicFrame>
+        <p:nvGraphicFramePr>
+          <p:cNvPr id="173" name="2D Pie Chart"/>
+          <p:cNvGraphicFramePr/>
           <p:nvPr/>
-        </p:nvSpPr>
-        <p:spPr>
-          <a:xfrm>
-            <a:off x="4882925" y="4926331"/>
-            <a:ext cx="4635949" cy="942337"/>
-          </a:xfrm>
-          <a:prstGeom prst="rect">
-            <a:avLst/>
-          </a:prstGeom>
-          <a:ln w="12700">
-            <a:miter lim="400000"/>
-          </a:ln>
-          <a:extLst>
-            <a:ext uri="{C572A759-6A51-4108-AA02-DFA0A04FC94B}">
-              <ma14:wrappingTextBoxFlag xmlns:ma14="http://schemas.microsoft.com/office/mac/drawingml/2011/main" val="1"/>
-            </a:ext>
-          </a:extLst>
-        </p:spPr>
-        <p:txBody>
-          <a:bodyPr lIns="45718" tIns="45718" rIns="45718" bIns="45718">
-            <a:spAutoFit/>
-          </a:bodyPr>
-          <a:lstStyle>
-            <a:lvl1pPr marL="481263" indent="-481263">
-              <a:buSzPct val="100000"/>
-              <a:buChar char="•"/>
-              <a:defRPr sz="4800">
-                <a:solidFill>
-                  <a:srgbClr val="FFFFFF"/>
-                </a:solidFill>
-                <a:latin typeface="+mj-lt"/>
-                <a:ea typeface="+mj-ea"/>
-                <a:cs typeface="+mj-cs"/>
-                <a:sym typeface="Helvetica"/>
-              </a:defRPr>
-            </a:lvl1pPr>
-          </a:lstStyle>
-          <a:p>
-            <a:pPr/>
-            <a:r>
-              <a:t>尽早发现错误</a:t>
-            </a:r>
-          </a:p>
-        </p:txBody>
-      </p:sp>
+        </p:nvGraphicFramePr>
+        <p:xfrm>
+          <a:off x="4045174" y="2241774"/>
+          <a:ext cx="6311452" cy="6311452"/>
+        </p:xfrm>
+        <a:graphic xmlns:a="http://schemas.openxmlformats.org/drawingml/2006/main">
+          <a:graphicData uri="http://schemas.openxmlformats.org/drawingml/2006/chart">
+            <c:chart xmlns:c="http://schemas.openxmlformats.org/drawingml/2006/chart" r:id="rId2"/>
+          </a:graphicData>
+        </a:graphic>
+      </p:graphicFrame>
     </p:spTree>
   </p:cSld>
   <p:clrMapOvr>
@@ -4546,35 +5322,22 @@
           <a:chExt cx="0" cy="0"/>
         </a:xfrm>
       </p:grpSpPr>
-      <p:pic>
-        <p:nvPicPr>
-          <p:cNvPr id="175" name="TypeScript_1.png" descr="TypeScript_1.png"/>
-          <p:cNvPicPr>
-            <a:picLocks noChangeAspect="1"/>
-          </p:cNvPicPr>
+      <p:graphicFrame>
+        <p:nvGraphicFramePr>
+          <p:cNvPr id="175" name="2D Pie Chart"/>
+          <p:cNvGraphicFramePr/>
           <p:nvPr/>
-        </p:nvPicPr>
-        <p:blipFill>
-          <a:blip r:embed="rId2">
-            <a:extLst/>
-          </a:blip>
-          <a:stretch>
-            <a:fillRect/>
-          </a:stretch>
-        </p:blipFill>
-        <p:spPr>
-          <a:xfrm>
-            <a:off x="1423595" y="477765"/>
-            <a:ext cx="11554609" cy="9839470"/>
-          </a:xfrm>
-          <a:prstGeom prst="rect">
-            <a:avLst/>
-          </a:prstGeom>
-          <a:ln w="12700">
-            <a:miter lim="400000"/>
-          </a:ln>
-        </p:spPr>
-      </p:pic>
+        </p:nvGraphicFramePr>
+        <p:xfrm>
+          <a:off x="4045174" y="2241774"/>
+          <a:ext cx="6311452" cy="6311452"/>
+        </p:xfrm>
+        <a:graphic xmlns:a="http://schemas.openxmlformats.org/drawingml/2006/main">
+          <a:graphicData uri="http://schemas.openxmlformats.org/drawingml/2006/chart">
+            <c:chart xmlns:c="http://schemas.openxmlformats.org/drawingml/2006/chart" r:id="rId2"/>
+          </a:graphicData>
+        </a:graphic>
+      </p:graphicFrame>
     </p:spTree>
   </p:cSld>
   <p:clrMapOvr>
@@ -4627,8 +5390,8 @@
         </p:nvSpPr>
         <p:spPr>
           <a:xfrm>
-            <a:off x="2951434" y="4926331"/>
-            <a:ext cx="8498931" cy="942337"/>
+            <a:off x="3779142" y="4983482"/>
+            <a:ext cx="6843516" cy="828037"/>
           </a:xfrm>
           <a:prstGeom prst="rect">
             <a:avLst/>
@@ -4662,7 +5425,7 @@
           <a:p>
             <a:pPr/>
             <a:r>
-              <a:t>上 TS，并加上简单的 Type 时</a:t>
+              <a:t>Optionally statically type</a:t>
             </a:r>
           </a:p>
         </p:txBody>
@@ -4864,7 +5627,7 @@
         <p:spPr>
           <a:xfrm>
             <a:off x="5395274" y="3357312"/>
-            <a:ext cx="5003808" cy="637537"/>
+            <a:ext cx="5003809" cy="637537"/>
           </a:xfrm>
           <a:prstGeom prst="rect">
             <a:avLst/>
@@ -4915,7 +5678,7 @@
         <p:spPr>
           <a:xfrm>
             <a:off x="5399275" y="6079752"/>
-            <a:ext cx="4995806" cy="637537"/>
+            <a:ext cx="4995807" cy="637537"/>
           </a:xfrm>
           <a:prstGeom prst="rect">
             <a:avLst/>
@@ -4966,7 +5729,7 @@
         <p:spPr>
           <a:xfrm>
             <a:off x="5389336" y="4670799"/>
-            <a:ext cx="5015684" cy="637537"/>
+            <a:ext cx="5015685" cy="637537"/>
           </a:xfrm>
           <a:prstGeom prst="rect">
             <a:avLst/>
@@ -5052,26 +5815,16 @@
           <a:chExt cx="0" cy="0"/>
         </a:xfrm>
       </p:grpSpPr>
-      <p:pic>
-        <p:nvPicPr>
-          <p:cNvPr id="179" name="Screen Shot 2018-04-23 at 6.59.14 PM.png" descr="Screen Shot 2018-04-23 at 6.59.14 PM.png"/>
-          <p:cNvPicPr>
-            <a:picLocks noChangeAspect="1"/>
-          </p:cNvPicPr>
+      <p:sp>
+        <p:nvSpPr>
+          <p:cNvPr id="179" name="静态类型检查"/>
+          <p:cNvSpPr txBox="1"/>
           <p:nvPr/>
-        </p:nvPicPr>
-        <p:blipFill>
-          <a:blip r:embed="rId2">
-            <a:extLst/>
-          </a:blip>
-          <a:stretch>
-            <a:fillRect/>
-          </a:stretch>
-        </p:blipFill>
+        </p:nvSpPr>
         <p:spPr>
           <a:xfrm>
-            <a:off x="1901346" y="472508"/>
-            <a:ext cx="10599107" cy="9849983"/>
+            <a:off x="2461468" y="4983482"/>
+            <a:ext cx="9478864" cy="828037"/>
           </a:xfrm>
           <a:prstGeom prst="rect">
             <a:avLst/>
@@ -5079,8 +5832,37 @@
           <a:ln w="12700">
             <a:miter lim="400000"/>
           </a:ln>
+          <a:extLst>
+            <a:ext uri="{C572A759-6A51-4108-AA02-DFA0A04FC94B}">
+              <ma14:wrappingTextBoxFlag xmlns:ma14="http://schemas.microsoft.com/office/mac/drawingml/2011/main" val="1"/>
+            </a:ext>
+          </a:extLst>
         </p:spPr>
-      </p:pic>
+        <p:txBody>
+          <a:bodyPr lIns="45718" tIns="45718" rIns="45718" bIns="45718">
+            <a:spAutoFit/>
+          </a:bodyPr>
+          <a:lstStyle>
+            <a:lvl1pPr>
+              <a:defRPr sz="4800">
+                <a:solidFill>
+                  <a:srgbClr val="FFFFFF"/>
+                </a:solidFill>
+                <a:latin typeface="+mj-lt"/>
+                <a:ea typeface="+mj-ea"/>
+                <a:cs typeface="+mj-cs"/>
+                <a:sym typeface="Helvetica"/>
+              </a:defRPr>
+            </a:lvl1pPr>
+          </a:lstStyle>
+          <a:p>
+            <a:pPr/>
+            <a:r>
+              <a:t>Why statically typed is important</a:t>
+            </a:r>
+          </a:p>
+        </p:txBody>
+      </p:sp>
     </p:spTree>
   </p:cSld>
   <p:clrMapOvr>
@@ -5133,8 +5915,8 @@
         </p:nvSpPr>
         <p:spPr>
           <a:xfrm>
-            <a:off x="3241625" y="4926331"/>
-            <a:ext cx="7918550" cy="942337"/>
+            <a:off x="4882924" y="4926331"/>
+            <a:ext cx="4635950" cy="828037"/>
           </a:xfrm>
           <a:prstGeom prst="rect">
             <a:avLst/>
@@ -5170,7 +5952,7 @@
           <a:p>
             <a:pPr/>
             <a:r>
-              <a:t>阅读代码的友好性，文档化</a:t>
+              <a:t>Early fail</a:t>
             </a:r>
           </a:p>
         </p:txBody>
@@ -5219,57 +6001,9 @@
           <a:chExt cx="0" cy="0"/>
         </a:xfrm>
       </p:grpSpPr>
-      <p:sp>
-        <p:nvSpPr>
-          <p:cNvPr id="183" name="静态类型检查"/>
-          <p:cNvSpPr txBox="1"/>
-          <p:nvPr/>
-        </p:nvSpPr>
-        <p:spPr>
-          <a:xfrm>
-            <a:off x="6010695" y="500382"/>
-            <a:ext cx="2253161" cy="828037"/>
-          </a:xfrm>
-          <a:prstGeom prst="rect">
-            <a:avLst/>
-          </a:prstGeom>
-          <a:ln w="12700">
-            <a:miter lim="400000"/>
-          </a:ln>
-          <a:extLst>
-            <a:ext uri="{C572A759-6A51-4108-AA02-DFA0A04FC94B}">
-              <ma14:wrappingTextBoxFlag xmlns:ma14="http://schemas.microsoft.com/office/mac/drawingml/2011/main" val="1"/>
-            </a:ext>
-          </a:extLst>
-        </p:spPr>
-        <p:txBody>
-          <a:bodyPr lIns="45718" tIns="45718" rIns="45718" bIns="45718">
-            <a:spAutoFit/>
-          </a:bodyPr>
-          <a:lstStyle>
-            <a:lvl1pPr>
-              <a:defRPr sz="4800">
-                <a:solidFill>
-                  <a:srgbClr val="FFFFFF"/>
-                </a:solidFill>
-                <a:latin typeface="+mj-lt"/>
-                <a:ea typeface="+mj-ea"/>
-                <a:cs typeface="+mj-cs"/>
-                <a:sym typeface="Helvetica"/>
-              </a:defRPr>
-            </a:lvl1pPr>
-          </a:lstStyle>
-          <a:p>
-            <a:pPr/>
-            <a:r>
-              <a:t>JSDoc?</a:t>
-            </a:r>
-          </a:p>
-        </p:txBody>
-      </p:sp>
       <p:pic>
         <p:nvPicPr>
-          <p:cNvPr id="184" name="Screen Shot 2018-04-23 at 7.49.17 PM.png" descr="Screen Shot 2018-04-23 at 7.49.17 PM.png"/>
+          <p:cNvPr id="183" name="TypeScript_1.png" descr="TypeScript_1.png"/>
           <p:cNvPicPr>
             <a:picLocks noChangeAspect="1"/>
           </p:cNvPicPr>
@@ -5285,8 +6019,8 @@
         </p:blipFill>
         <p:spPr>
           <a:xfrm>
-            <a:off x="2299280" y="1492577"/>
-            <a:ext cx="9803241" cy="8971082"/>
+            <a:off x="1423594" y="477765"/>
+            <a:ext cx="11554610" cy="9839470"/>
           </a:xfrm>
           <a:prstGeom prst="rect">
             <a:avLst/>
@@ -5340,26 +6074,16 @@
           <a:chExt cx="0" cy="0"/>
         </a:xfrm>
       </p:grpSpPr>
-      <p:pic>
-        <p:nvPicPr>
-          <p:cNvPr id="186" name="typescript_4.png" descr="typescript_4.png"/>
-          <p:cNvPicPr>
-            <a:picLocks noChangeAspect="1"/>
-          </p:cNvPicPr>
+      <p:sp>
+        <p:nvSpPr>
+          <p:cNvPr id="185" name="静态类型检查"/>
+          <p:cNvSpPr txBox="1"/>
           <p:nvPr/>
-        </p:nvPicPr>
-        <p:blipFill>
-          <a:blip r:embed="rId2">
-            <a:extLst/>
-          </a:blip>
-          <a:stretch>
-            <a:fillRect/>
-          </a:stretch>
-        </p:blipFill>
+        </p:nvSpPr>
         <p:spPr>
           <a:xfrm>
-            <a:off x="1942178" y="659913"/>
-            <a:ext cx="10517443" cy="9475175"/>
+            <a:off x="5630936" y="4983482"/>
+            <a:ext cx="3139928" cy="828037"/>
           </a:xfrm>
           <a:prstGeom prst="rect">
             <a:avLst/>
@@ -5367,8 +6091,37 @@
           <a:ln w="12700">
             <a:miter lim="400000"/>
           </a:ln>
+          <a:extLst>
+            <a:ext uri="{C572A759-6A51-4108-AA02-DFA0A04FC94B}">
+              <ma14:wrappingTextBoxFlag xmlns:ma14="http://schemas.microsoft.com/office/mac/drawingml/2011/main" val="1"/>
+            </a:ext>
+          </a:extLst>
         </p:spPr>
-      </p:pic>
+        <p:txBody>
+          <a:bodyPr lIns="45718" tIns="45718" rIns="45718" bIns="45718">
+            <a:spAutoFit/>
+          </a:bodyPr>
+          <a:lstStyle>
+            <a:lvl1pPr>
+              <a:defRPr sz="4800">
+                <a:solidFill>
+                  <a:srgbClr val="FFFFFF"/>
+                </a:solidFill>
+                <a:latin typeface="+mj-lt"/>
+                <a:ea typeface="+mj-ea"/>
+                <a:cs typeface="+mj-cs"/>
+                <a:sym typeface="Helvetica"/>
+              </a:defRPr>
+            </a:lvl1pPr>
+          </a:lstStyle>
+          <a:p>
+            <a:pPr/>
+            <a:r>
+              <a:t>TypeScript</a:t>
+            </a:r>
+          </a:p>
+        </p:txBody>
+      </p:sp>
     </p:spTree>
   </p:cSld>
   <p:clrMapOvr>
@@ -5413,16 +6166,26 @@
           <a:chExt cx="0" cy="0"/>
         </a:xfrm>
       </p:grpSpPr>
-      <p:sp>
-        <p:nvSpPr>
-          <p:cNvPr id="188" name="文本框 81"/>
-          <p:cNvSpPr txBox="1"/>
+      <p:pic>
+        <p:nvPicPr>
+          <p:cNvPr id="187" name="Screen Shot 2018-04-23 at 6.59.14 PM.png" descr="Screen Shot 2018-04-23 at 6.59.14 PM.png"/>
+          <p:cNvPicPr>
+            <a:picLocks noChangeAspect="1"/>
+          </p:cNvPicPr>
           <p:nvPr/>
-        </p:nvSpPr>
+        </p:nvPicPr>
+        <p:blipFill>
+          <a:blip r:embed="rId2">
+            <a:extLst/>
+          </a:blip>
+          <a:stretch>
+            <a:fillRect/>
+          </a:stretch>
+        </p:blipFill>
         <p:spPr>
           <a:xfrm>
-            <a:off x="4896089" y="2988689"/>
-            <a:ext cx="5112092" cy="4817619"/>
+            <a:off x="1901345" y="472507"/>
+            <a:ext cx="10599109" cy="9849985"/>
           </a:xfrm>
           <a:prstGeom prst="rect">
             <a:avLst/>
@@ -5430,85 +6193,8 @@
           <a:ln w="12700">
             <a:miter lim="400000"/>
           </a:ln>
-          <a:extLst>
-            <a:ext uri="{C572A759-6A51-4108-AA02-DFA0A04FC94B}">
-              <ma14:wrappingTextBoxFlag xmlns:ma14="http://schemas.microsoft.com/office/mac/drawingml/2011/main" val="1"/>
-            </a:ext>
-          </a:extLst>
         </p:spPr>
-        <p:txBody>
-          <a:bodyPr lIns="72009" tIns="72009" rIns="72009" bIns="72009">
-            <a:spAutoFit/>
-          </a:bodyPr>
-          <a:lstStyle>
-            <a:lvl1pPr>
-              <a:defRPr sz="30000">
-                <a:solidFill>
-                  <a:srgbClr val="DBEEF4"/>
-                </a:solidFill>
-                <a:latin typeface="Century Gothic"/>
-                <a:ea typeface="Century Gothic"/>
-                <a:cs typeface="Century Gothic"/>
-                <a:sym typeface="Century Gothic"/>
-              </a:defRPr>
-            </a:lvl1pPr>
-          </a:lstStyle>
-          <a:p>
-            <a:pPr/>
-            <a:r>
-              <a:t>03</a:t>
-            </a:r>
-          </a:p>
-        </p:txBody>
-      </p:sp>
-      <p:sp>
-        <p:nvSpPr>
-          <p:cNvPr id="189" name="Rectangle 18"/>
-          <p:cNvSpPr txBox="1"/>
-          <p:nvPr/>
-        </p:nvSpPr>
-        <p:spPr>
-          <a:xfrm>
-            <a:off x="5813881" y="4850131"/>
-            <a:ext cx="2368978" cy="1094737"/>
-          </a:xfrm>
-          <a:prstGeom prst="rect">
-            <a:avLst/>
-          </a:prstGeom>
-          <a:ln w="12700">
-            <a:miter lim="400000"/>
-          </a:ln>
-          <a:extLst>
-            <a:ext uri="{C572A759-6A51-4108-AA02-DFA0A04FC94B}">
-              <ma14:wrappingTextBoxFlag xmlns:ma14="http://schemas.microsoft.com/office/mac/drawingml/2011/main" val="1"/>
-            </a:ext>
-          </a:extLst>
-        </p:spPr>
-        <p:txBody>
-          <a:bodyPr lIns="45718" tIns="45718" rIns="45718" bIns="45718">
-            <a:spAutoFit/>
-          </a:bodyPr>
-          <a:lstStyle>
-            <a:lvl1pPr>
-              <a:defRPr sz="6600">
-                <a:solidFill>
-                  <a:srgbClr val="FFFFFF"/>
-                </a:solidFill>
-                <a:latin typeface="Microsoft YaHei"/>
-                <a:ea typeface="Microsoft YaHei"/>
-                <a:cs typeface="Microsoft YaHei"/>
-                <a:sym typeface="Microsoft YaHei"/>
-              </a:defRPr>
-            </a:lvl1pPr>
-          </a:lstStyle>
-          <a:p>
-            <a:pPr/>
-            <a:r>
-              <a:t>Demo</a:t>
-            </a:r>
-          </a:p>
-        </p:txBody>
-      </p:sp>
+      </p:pic>
     </p:spTree>
   </p:cSld>
   <p:clrMapOvr>
@@ -5555,14 +6241,442 @@
       </p:grpSpPr>
       <p:sp>
         <p:nvSpPr>
-          <p:cNvPr id="191" name="TextBox 5"/>
+          <p:cNvPr id="189" name="静态类型检查"/>
           <p:cNvSpPr txBox="1"/>
           <p:nvPr/>
         </p:nvSpPr>
         <p:spPr>
           <a:xfrm>
-            <a:off x="4630454" y="4719506"/>
-            <a:ext cx="5684427" cy="1031237"/>
+            <a:off x="3241625" y="4926331"/>
+            <a:ext cx="7918550" cy="942337"/>
+          </a:xfrm>
+          <a:prstGeom prst="rect">
+            <a:avLst/>
+          </a:prstGeom>
+          <a:ln w="12700">
+            <a:miter lim="400000"/>
+          </a:ln>
+          <a:extLst>
+            <a:ext uri="{C572A759-6A51-4108-AA02-DFA0A04FC94B}">
+              <ma14:wrappingTextBoxFlag xmlns:ma14="http://schemas.microsoft.com/office/mac/drawingml/2011/main" val="1"/>
+            </a:ext>
+          </a:extLst>
+        </p:spPr>
+        <p:txBody>
+          <a:bodyPr lIns="45718" tIns="45718" rIns="45718" bIns="45718">
+            <a:spAutoFit/>
+          </a:bodyPr>
+          <a:lstStyle>
+            <a:lvl1pPr marL="481263" indent="-481263">
+              <a:buSzPct val="100000"/>
+              <a:buChar char="•"/>
+              <a:defRPr sz="4800">
+                <a:solidFill>
+                  <a:srgbClr val="FFFFFF"/>
+                </a:solidFill>
+                <a:latin typeface="+mj-lt"/>
+                <a:ea typeface="+mj-ea"/>
+                <a:cs typeface="+mj-cs"/>
+                <a:sym typeface="Helvetica"/>
+              </a:defRPr>
+            </a:lvl1pPr>
+          </a:lstStyle>
+          <a:p>
+            <a:pPr/>
+            <a:r>
+              <a:t>阅读代码的友好性，文档化</a:t>
+            </a:r>
+          </a:p>
+        </p:txBody>
+      </p:sp>
+    </p:spTree>
+  </p:cSld>
+  <p:clrMapOvr>
+    <a:masterClrMapping/>
+  </p:clrMapOvr>
+  <mc:AlternateContent xmlns:mc="http://schemas.openxmlformats.org/markup-compatibility/2006">
+    <mc:Choice xmlns:p14="http://schemas.microsoft.com/office/powerpoint/2010/main" Requires="p14">
+      <p:transition spd="slow" advClick="1" p14:dur="1200">
+        <p:dissolve/>
+      </p:transition>
+    </mc:Choice>
+    <mc:Fallback>
+      <p:transition spd="slow">
+        <p:fade/>
+      </p:transition>
+    </mc:Fallback>
+  </mc:AlternateContent>
+</p:sld>
+</file>
+
+<file path=ppt/slides/slide26.xml><?xml version="1.0" encoding="utf-8"?>
+<p:sld xmlns:a="http://schemas.openxmlformats.org/drawingml/2006/main" xmlns:r="http://schemas.openxmlformats.org/officeDocument/2006/relationships" xmlns:p="http://schemas.openxmlformats.org/presentationml/2006/main" showMasterSp="1" showMasterPhAnim="1">
+  <p:cSld>
+    <p:bg>
+      <p:bgPr>
+        <a:solidFill>
+          <a:srgbClr val="739A98"/>
+        </a:solidFill>
+      </p:bgPr>
+    </p:bg>
+    <p:spTree>
+      <p:nvGrpSpPr>
+        <p:cNvPr id="1" name=""/>
+        <p:cNvGrpSpPr/>
+        <p:nvPr/>
+      </p:nvGrpSpPr>
+      <p:grpSpPr>
+        <a:xfrm>
+          <a:off x="0" y="0"/>
+          <a:ext cx="0" cy="0"/>
+          <a:chOff x="0" y="0"/>
+          <a:chExt cx="0" cy="0"/>
+        </a:xfrm>
+      </p:grpSpPr>
+      <p:sp>
+        <p:nvSpPr>
+          <p:cNvPr id="191" name="静态类型检查"/>
+          <p:cNvSpPr txBox="1"/>
+          <p:nvPr/>
+        </p:nvSpPr>
+        <p:spPr>
+          <a:xfrm>
+            <a:off x="6010695" y="500382"/>
+            <a:ext cx="2253162" cy="828037"/>
+          </a:xfrm>
+          <a:prstGeom prst="rect">
+            <a:avLst/>
+          </a:prstGeom>
+          <a:ln w="12700">
+            <a:miter lim="400000"/>
+          </a:ln>
+          <a:extLst>
+            <a:ext uri="{C572A759-6A51-4108-AA02-DFA0A04FC94B}">
+              <ma14:wrappingTextBoxFlag xmlns:ma14="http://schemas.microsoft.com/office/mac/drawingml/2011/main" val="1"/>
+            </a:ext>
+          </a:extLst>
+        </p:spPr>
+        <p:txBody>
+          <a:bodyPr lIns="45718" tIns="45718" rIns="45718" bIns="45718">
+            <a:spAutoFit/>
+          </a:bodyPr>
+          <a:lstStyle>
+            <a:lvl1pPr>
+              <a:defRPr sz="4800">
+                <a:solidFill>
+                  <a:srgbClr val="FFFFFF"/>
+                </a:solidFill>
+                <a:latin typeface="+mj-lt"/>
+                <a:ea typeface="+mj-ea"/>
+                <a:cs typeface="+mj-cs"/>
+                <a:sym typeface="Helvetica"/>
+              </a:defRPr>
+            </a:lvl1pPr>
+          </a:lstStyle>
+          <a:p>
+            <a:pPr/>
+            <a:r>
+              <a:t>JSDoc?</a:t>
+            </a:r>
+          </a:p>
+        </p:txBody>
+      </p:sp>
+      <p:pic>
+        <p:nvPicPr>
+          <p:cNvPr id="192" name="Screen Shot 2018-04-23 at 7.49.17 PM.png" descr="Screen Shot 2018-04-23 at 7.49.17 PM.png"/>
+          <p:cNvPicPr>
+            <a:picLocks noChangeAspect="1"/>
+          </p:cNvPicPr>
+          <p:nvPr/>
+        </p:nvPicPr>
+        <p:blipFill>
+          <a:blip r:embed="rId2">
+            <a:extLst/>
+          </a:blip>
+          <a:stretch>
+            <a:fillRect/>
+          </a:stretch>
+        </p:blipFill>
+        <p:spPr>
+          <a:xfrm>
+            <a:off x="2299280" y="1492577"/>
+            <a:ext cx="9803242" cy="8971082"/>
+          </a:xfrm>
+          <a:prstGeom prst="rect">
+            <a:avLst/>
+          </a:prstGeom>
+          <a:ln w="12700">
+            <a:miter lim="400000"/>
+          </a:ln>
+        </p:spPr>
+      </p:pic>
+    </p:spTree>
+  </p:cSld>
+  <p:clrMapOvr>
+    <a:masterClrMapping/>
+  </p:clrMapOvr>
+  <mc:AlternateContent xmlns:mc="http://schemas.openxmlformats.org/markup-compatibility/2006">
+    <mc:Choice xmlns:p14="http://schemas.microsoft.com/office/powerpoint/2010/main" Requires="p14">
+      <p:transition spd="slow" advClick="1" p14:dur="1200">
+        <p:dissolve/>
+      </p:transition>
+    </mc:Choice>
+    <mc:Fallback>
+      <p:transition spd="slow">
+        <p:fade/>
+      </p:transition>
+    </mc:Fallback>
+  </mc:AlternateContent>
+</p:sld>
+</file>
+
+<file path=ppt/slides/slide27.xml><?xml version="1.0" encoding="utf-8"?>
+<p:sld xmlns:a="http://schemas.openxmlformats.org/drawingml/2006/main" xmlns:r="http://schemas.openxmlformats.org/officeDocument/2006/relationships" xmlns:p="http://schemas.openxmlformats.org/presentationml/2006/main" showMasterSp="1" showMasterPhAnim="1">
+  <p:cSld>
+    <p:bg>
+      <p:bgPr>
+        <a:solidFill>
+          <a:srgbClr val="739A98"/>
+        </a:solidFill>
+      </p:bgPr>
+    </p:bg>
+    <p:spTree>
+      <p:nvGrpSpPr>
+        <p:cNvPr id="1" name=""/>
+        <p:cNvGrpSpPr/>
+        <p:nvPr/>
+      </p:nvGrpSpPr>
+      <p:grpSpPr>
+        <a:xfrm>
+          <a:off x="0" y="0"/>
+          <a:ext cx="0" cy="0"/>
+          <a:chOff x="0" y="0"/>
+          <a:chExt cx="0" cy="0"/>
+        </a:xfrm>
+      </p:grpSpPr>
+      <p:pic>
+        <p:nvPicPr>
+          <p:cNvPr id="194" name="typescript_4.png" descr="typescript_4.png"/>
+          <p:cNvPicPr>
+            <a:picLocks noChangeAspect="1"/>
+          </p:cNvPicPr>
+          <p:nvPr/>
+        </p:nvPicPr>
+        <p:blipFill>
+          <a:blip r:embed="rId2">
+            <a:extLst/>
+          </a:blip>
+          <a:stretch>
+            <a:fillRect/>
+          </a:stretch>
+        </p:blipFill>
+        <p:spPr>
+          <a:xfrm>
+            <a:off x="1942177" y="659913"/>
+            <a:ext cx="10517445" cy="9475176"/>
+          </a:xfrm>
+          <a:prstGeom prst="rect">
+            <a:avLst/>
+          </a:prstGeom>
+          <a:ln w="12700">
+            <a:miter lim="400000"/>
+          </a:ln>
+        </p:spPr>
+      </p:pic>
+    </p:spTree>
+  </p:cSld>
+  <p:clrMapOvr>
+    <a:masterClrMapping/>
+  </p:clrMapOvr>
+  <mc:AlternateContent xmlns:mc="http://schemas.openxmlformats.org/markup-compatibility/2006">
+    <mc:Choice xmlns:p14="http://schemas.microsoft.com/office/powerpoint/2010/main" Requires="p14">
+      <p:transition spd="slow" advClick="1" p14:dur="1200">
+        <p:dissolve/>
+      </p:transition>
+    </mc:Choice>
+    <mc:Fallback>
+      <p:transition spd="slow">
+        <p:fade/>
+      </p:transition>
+    </mc:Fallback>
+  </mc:AlternateContent>
+</p:sld>
+</file>
+
+<file path=ppt/slides/slide28.xml><?xml version="1.0" encoding="utf-8"?>
+<p:sld xmlns:a="http://schemas.openxmlformats.org/drawingml/2006/main" xmlns:r="http://schemas.openxmlformats.org/officeDocument/2006/relationships" xmlns:p="http://schemas.openxmlformats.org/presentationml/2006/main" showMasterSp="1" showMasterPhAnim="1">
+  <p:cSld>
+    <p:bg>
+      <p:bgPr>
+        <a:solidFill>
+          <a:srgbClr val="739A98"/>
+        </a:solidFill>
+      </p:bgPr>
+    </p:bg>
+    <p:spTree>
+      <p:nvGrpSpPr>
+        <p:cNvPr id="1" name=""/>
+        <p:cNvGrpSpPr/>
+        <p:nvPr/>
+      </p:nvGrpSpPr>
+      <p:grpSpPr>
+        <a:xfrm>
+          <a:off x="0" y="0"/>
+          <a:ext cx="0" cy="0"/>
+          <a:chOff x="0" y="0"/>
+          <a:chExt cx="0" cy="0"/>
+        </a:xfrm>
+      </p:grpSpPr>
+      <p:sp>
+        <p:nvSpPr>
+          <p:cNvPr id="196" name="文本框 81"/>
+          <p:cNvSpPr txBox="1"/>
+          <p:nvPr/>
+        </p:nvSpPr>
+        <p:spPr>
+          <a:xfrm>
+            <a:off x="4896089" y="2988689"/>
+            <a:ext cx="5112093" cy="4817619"/>
+          </a:xfrm>
+          <a:prstGeom prst="rect">
+            <a:avLst/>
+          </a:prstGeom>
+          <a:ln w="12700">
+            <a:miter lim="400000"/>
+          </a:ln>
+          <a:extLst>
+            <a:ext uri="{C572A759-6A51-4108-AA02-DFA0A04FC94B}">
+              <ma14:wrappingTextBoxFlag xmlns:ma14="http://schemas.microsoft.com/office/mac/drawingml/2011/main" val="1"/>
+            </a:ext>
+          </a:extLst>
+        </p:spPr>
+        <p:txBody>
+          <a:bodyPr lIns="72009" tIns="72009" rIns="72009" bIns="72009">
+            <a:spAutoFit/>
+          </a:bodyPr>
+          <a:lstStyle>
+            <a:lvl1pPr>
+              <a:defRPr sz="30000">
+                <a:solidFill>
+                  <a:srgbClr val="DBEEF4"/>
+                </a:solidFill>
+                <a:latin typeface="Century Gothic"/>
+                <a:ea typeface="Century Gothic"/>
+                <a:cs typeface="Century Gothic"/>
+                <a:sym typeface="Century Gothic"/>
+              </a:defRPr>
+            </a:lvl1pPr>
+          </a:lstStyle>
+          <a:p>
+            <a:pPr/>
+            <a:r>
+              <a:t>03</a:t>
+            </a:r>
+          </a:p>
+        </p:txBody>
+      </p:sp>
+      <p:sp>
+        <p:nvSpPr>
+          <p:cNvPr id="197" name="Rectangle 18"/>
+          <p:cNvSpPr txBox="1"/>
+          <p:nvPr/>
+        </p:nvSpPr>
+        <p:spPr>
+          <a:xfrm>
+            <a:off x="5813881" y="4850131"/>
+            <a:ext cx="2368979" cy="1094737"/>
+          </a:xfrm>
+          <a:prstGeom prst="rect">
+            <a:avLst/>
+          </a:prstGeom>
+          <a:ln w="12700">
+            <a:miter lim="400000"/>
+          </a:ln>
+          <a:extLst>
+            <a:ext uri="{C572A759-6A51-4108-AA02-DFA0A04FC94B}">
+              <ma14:wrappingTextBoxFlag xmlns:ma14="http://schemas.microsoft.com/office/mac/drawingml/2011/main" val="1"/>
+            </a:ext>
+          </a:extLst>
+        </p:spPr>
+        <p:txBody>
+          <a:bodyPr lIns="45718" tIns="45718" rIns="45718" bIns="45718">
+            <a:spAutoFit/>
+          </a:bodyPr>
+          <a:lstStyle>
+            <a:lvl1pPr>
+              <a:defRPr sz="6600">
+                <a:solidFill>
+                  <a:srgbClr val="FFFFFF"/>
+                </a:solidFill>
+                <a:latin typeface="Microsoft YaHei"/>
+                <a:ea typeface="Microsoft YaHei"/>
+                <a:cs typeface="Microsoft YaHei"/>
+                <a:sym typeface="Microsoft YaHei"/>
+              </a:defRPr>
+            </a:lvl1pPr>
+          </a:lstStyle>
+          <a:p>
+            <a:pPr/>
+            <a:r>
+              <a:t>Demo</a:t>
+            </a:r>
+          </a:p>
+        </p:txBody>
+      </p:sp>
+    </p:spTree>
+  </p:cSld>
+  <p:clrMapOvr>
+    <a:masterClrMapping/>
+  </p:clrMapOvr>
+  <mc:AlternateContent xmlns:mc="http://schemas.openxmlformats.org/markup-compatibility/2006">
+    <mc:Choice xmlns:p14="http://schemas.microsoft.com/office/powerpoint/2010/main" Requires="p14">
+      <p:transition spd="slow" advClick="1" p14:dur="1200">
+        <p:dissolve/>
+      </p:transition>
+    </mc:Choice>
+    <mc:Fallback>
+      <p:transition spd="slow">
+        <p:fade/>
+      </p:transition>
+    </mc:Fallback>
+  </mc:AlternateContent>
+</p:sld>
+</file>
+
+<file path=ppt/slides/slide29.xml><?xml version="1.0" encoding="utf-8"?>
+<p:sld xmlns:a="http://schemas.openxmlformats.org/drawingml/2006/main" xmlns:r="http://schemas.openxmlformats.org/officeDocument/2006/relationships" xmlns:p="http://schemas.openxmlformats.org/presentationml/2006/main" showMasterSp="1" showMasterPhAnim="1">
+  <p:cSld>
+    <p:bg>
+      <p:bgPr>
+        <a:solidFill>
+          <a:srgbClr val="739A98"/>
+        </a:solidFill>
+      </p:bgPr>
+    </p:bg>
+    <p:spTree>
+      <p:nvGrpSpPr>
+        <p:cNvPr id="1" name=""/>
+        <p:cNvGrpSpPr/>
+        <p:nvPr/>
+      </p:nvGrpSpPr>
+      <p:grpSpPr>
+        <a:xfrm>
+          <a:off x="0" y="0"/>
+          <a:ext cx="0" cy="0"/>
+          <a:chOff x="0" y="0"/>
+          <a:chExt cx="0" cy="0"/>
+        </a:xfrm>
+      </p:grpSpPr>
+      <p:sp>
+        <p:nvSpPr>
+          <p:cNvPr id="199" name="TextBox 5"/>
+          <p:cNvSpPr txBox="1"/>
+          <p:nvPr/>
+        </p:nvSpPr>
+        <p:spPr>
+          <a:xfrm>
+            <a:off x="4358686" y="630106"/>
+            <a:ext cx="5684428" cy="1196337"/>
           </a:xfrm>
           <a:prstGeom prst="rect">
             <a:avLst/>
@@ -5596,11 +6710,40 @@
           <a:p>
             <a:pPr/>
             <a:r>
-              <a:t>Thanks</a:t>
+              <a:t>下集预告</a:t>
             </a:r>
           </a:p>
         </p:txBody>
       </p:sp>
+      <p:pic>
+        <p:nvPicPr>
+          <p:cNvPr id="200" name="Screen Shot 2018-04-25 at 9.26.05 PM.png" descr="Screen Shot 2018-04-25 at 9.26.05 PM.png"/>
+          <p:cNvPicPr>
+            <a:picLocks noChangeAspect="1"/>
+          </p:cNvPicPr>
+          <p:nvPr/>
+        </p:nvPicPr>
+        <p:blipFill>
+          <a:blip r:embed="rId2">
+            <a:extLst/>
+          </a:blip>
+          <a:stretch>
+            <a:fillRect/>
+          </a:stretch>
+        </p:blipFill>
+        <p:spPr>
+          <a:xfrm>
+            <a:off x="2220271" y="1864424"/>
+            <a:ext cx="9961258" cy="8695081"/>
+          </a:xfrm>
+          <a:prstGeom prst="rect">
+            <a:avLst/>
+          </a:prstGeom>
+          <a:ln w="12700">
+            <a:miter lim="400000"/>
+          </a:ln>
+        </p:spPr>
+      </p:pic>
     </p:spTree>
   </p:cSld>
   <p:clrMapOvr>
@@ -5653,7 +6796,7 @@
         </p:nvSpPr>
         <p:spPr>
           <a:xfrm>
-            <a:off x="4978379" y="2988690"/>
+            <a:off x="4978379" y="2988689"/>
             <a:ext cx="4445042" cy="4817619"/>
           </a:xfrm>
           <a:prstGeom prst="rect">
@@ -5749,6 +6892,98 @@
   <mc:AlternateContent xmlns:mc="http://schemas.openxmlformats.org/markup-compatibility/2006">
     <mc:Choice xmlns:p14="http://schemas.microsoft.com/office/powerpoint/2010/main" Requires="p14">
       <p:transition spd="slow" advClick="1" p14:dur="1200">
+        <p:dissolve/>
+      </p:transition>
+    </mc:Choice>
+    <mc:Fallback>
+      <p:transition spd="slow">
+        <p:fade/>
+      </p:transition>
+    </mc:Fallback>
+  </mc:AlternateContent>
+</p:sld>
+</file>
+
+<file path=ppt/slides/slide30.xml><?xml version="1.0" encoding="utf-8"?>
+<p:sld xmlns:a="http://schemas.openxmlformats.org/drawingml/2006/main" xmlns:r="http://schemas.openxmlformats.org/officeDocument/2006/relationships" xmlns:p="http://schemas.openxmlformats.org/presentationml/2006/main" showMasterSp="1" showMasterPhAnim="1">
+  <p:cSld>
+    <p:bg>
+      <p:bgPr>
+        <a:solidFill>
+          <a:srgbClr val="739A98"/>
+        </a:solidFill>
+      </p:bgPr>
+    </p:bg>
+    <p:spTree>
+      <p:nvGrpSpPr>
+        <p:cNvPr id="1" name=""/>
+        <p:cNvGrpSpPr/>
+        <p:nvPr/>
+      </p:nvGrpSpPr>
+      <p:grpSpPr>
+        <a:xfrm>
+          <a:off x="0" y="0"/>
+          <a:ext cx="0" cy="0"/>
+          <a:chOff x="0" y="0"/>
+          <a:chExt cx="0" cy="0"/>
+        </a:xfrm>
+      </p:grpSpPr>
+      <p:sp>
+        <p:nvSpPr>
+          <p:cNvPr id="202" name="TextBox 5"/>
+          <p:cNvSpPr txBox="1"/>
+          <p:nvPr/>
+        </p:nvSpPr>
+        <p:spPr>
+          <a:xfrm>
+            <a:off x="4630454" y="4719506"/>
+            <a:ext cx="5684428" cy="1031237"/>
+          </a:xfrm>
+          <a:prstGeom prst="rect">
+            <a:avLst/>
+          </a:prstGeom>
+          <a:ln w="12700">
+            <a:miter lim="400000"/>
+          </a:ln>
+          <a:extLst>
+            <a:ext uri="{C572A759-6A51-4108-AA02-DFA0A04FC94B}">
+              <ma14:wrappingTextBoxFlag xmlns:ma14="http://schemas.microsoft.com/office/mac/drawingml/2011/main" val="1"/>
+            </a:ext>
+          </a:extLst>
+        </p:spPr>
+        <p:txBody>
+          <a:bodyPr lIns="45718" tIns="45718" rIns="45718" bIns="45718">
+            <a:spAutoFit/>
+          </a:bodyPr>
+          <a:lstStyle>
+            <a:lvl1pPr algn="ctr">
+              <a:defRPr sz="6200">
+                <a:solidFill>
+                  <a:srgbClr val="FFFFFF"/>
+                </a:solidFill>
+                <a:latin typeface="Microsoft YaHei"/>
+                <a:ea typeface="Microsoft YaHei"/>
+                <a:cs typeface="Microsoft YaHei"/>
+                <a:sym typeface="Microsoft YaHei"/>
+              </a:defRPr>
+            </a:lvl1pPr>
+          </a:lstStyle>
+          <a:p>
+            <a:pPr/>
+            <a:r>
+              <a:t>Thanks</a:t>
+            </a:r>
+          </a:p>
+        </p:txBody>
+      </p:sp>
+    </p:spTree>
+  </p:cSld>
+  <p:clrMapOvr>
+    <a:masterClrMapping/>
+  </p:clrMapOvr>
+  <mc:AlternateContent xmlns:mc="http://schemas.openxmlformats.org/markup-compatibility/2006">
+    <mc:Choice xmlns:p14="http://schemas.microsoft.com/office/powerpoint/2010/main" Requires="p14">
+      <p:transition spd="slow" advClick="1" p14:dur="1500">
         <p:dissolve/>
       </p:transition>
     </mc:Choice>
@@ -5959,8 +7194,8 @@
         </p:nvSpPr>
         <p:spPr>
           <a:xfrm>
-            <a:off x="4137874" y="5773671"/>
-            <a:ext cx="6896140" cy="726437"/>
+            <a:off x="3327007" y="5786371"/>
+            <a:ext cx="7747786" cy="637537"/>
           </a:xfrm>
           <a:prstGeom prst="rect">
             <a:avLst/>
@@ -5982,10 +7217,7 @@
             <a:spAutoFit/>
           </a:bodyPr>
           <a:lstStyle>
-            <a:lvl1pPr marL="571500" indent="-571500">
-              <a:buSzPct val="100000"/>
-              <a:buFont typeface="Arial"/>
-              <a:buChar char="•"/>
+            <a:lvl1pPr algn="ctr">
               <a:defRPr sz="3600">
                 <a:solidFill>
                   <a:srgbClr val="FFFFFF"/>
@@ -6000,7 +7232,7 @@
           <a:p>
             <a:pPr/>
             <a:r>
-              <a:t>越来越多的 JavaScript 开发者 </a:t>
+              <a:t>More and  more JavaScript developer </a:t>
             </a:r>
           </a:p>
         </p:txBody>
@@ -6013,8 +7245,8 @@
         </p:nvSpPr>
         <p:spPr>
           <a:xfrm>
-            <a:off x="4137874" y="4719199"/>
-            <a:ext cx="7489906" cy="726437"/>
+            <a:off x="3337774" y="4731899"/>
+            <a:ext cx="7489906" cy="637537"/>
           </a:xfrm>
           <a:prstGeom prst="rect">
             <a:avLst/>
@@ -6036,10 +7268,7 @@
             <a:spAutoFit/>
           </a:bodyPr>
           <a:lstStyle>
-            <a:lvl1pPr marL="571500" indent="-571500">
-              <a:buSzPct val="100000"/>
-              <a:buFont typeface="Arial"/>
-              <a:buChar char="•"/>
+            <a:lvl1pPr algn="ctr">
               <a:defRPr sz="3600">
                 <a:solidFill>
                   <a:srgbClr val="FFFFFF"/>
@@ -6054,7 +7283,7 @@
           <a:p>
             <a:pPr/>
             <a:r>
-              <a:t>无处不在的 JavaScript</a:t>
+              <a:t>JavaScript in everywhere</a:t>
             </a:r>
           </a:p>
         </p:txBody>
@@ -6067,8 +7296,8 @@
         </p:nvSpPr>
         <p:spPr>
           <a:xfrm>
-            <a:off x="4137874" y="3664727"/>
-            <a:ext cx="7489906" cy="726437"/>
+            <a:off x="3020348" y="3677427"/>
+            <a:ext cx="8124757" cy="637537"/>
           </a:xfrm>
           <a:prstGeom prst="rect">
             <a:avLst/>
@@ -6090,10 +7319,7 @@
             <a:spAutoFit/>
           </a:bodyPr>
           <a:lstStyle>
-            <a:lvl1pPr marL="571500" indent="-571500">
-              <a:buSzPct val="100000"/>
-              <a:buFont typeface="Arial"/>
-              <a:buChar char="•"/>
+            <a:lvl1pPr algn="ctr">
               <a:defRPr sz="3600">
                 <a:solidFill>
                   <a:srgbClr val="FFFFFF"/>
@@ -6108,7 +7334,7 @@
           <a:p>
             <a:pPr/>
             <a:r>
-              <a:t>近 10 年爆发式增长</a:t>
+              <a:t>Explosive growth in the last 10 years</a:t>
             </a:r>
           </a:p>
         </p:txBody>
@@ -6215,7 +7441,7 @@
         <p:spPr>
           <a:xfrm>
             <a:off x="4456672" y="4747605"/>
-            <a:ext cx="5079216" cy="637537"/>
+            <a:ext cx="5079217" cy="637537"/>
           </a:xfrm>
           <a:prstGeom prst="rect">
             <a:avLst/>
@@ -6269,7 +7495,7 @@
         <p:spPr>
           <a:xfrm>
             <a:off x="4456672" y="3711144"/>
-            <a:ext cx="5079216" cy="637537"/>
+            <a:ext cx="5079217" cy="637537"/>
           </a:xfrm>
           <a:prstGeom prst="rect">
             <a:avLst/>
@@ -6323,7 +7549,7 @@
         <p:spPr>
           <a:xfrm>
             <a:off x="4456672" y="5784065"/>
-            <a:ext cx="5079216" cy="637537"/>
+            <a:ext cx="5079217" cy="637537"/>
           </a:xfrm>
           <a:prstGeom prst="rect">
             <a:avLst/>
@@ -6420,8 +7646,8 @@
         </p:nvSpPr>
         <p:spPr>
           <a:xfrm>
-            <a:off x="1431153" y="4394198"/>
-            <a:ext cx="11539494" cy="812801"/>
+            <a:off x="1431152" y="4394198"/>
+            <a:ext cx="11539495" cy="812801"/>
           </a:xfrm>
           <a:prstGeom prst="rect">
             <a:avLst/>
@@ -6513,8 +7739,8 @@
         </p:nvSpPr>
         <p:spPr>
           <a:xfrm>
-            <a:off x="1740122" y="4648199"/>
-            <a:ext cx="10921556" cy="1498601"/>
+            <a:off x="1740122" y="4648198"/>
+            <a:ext cx="10921557" cy="1498601"/>
           </a:xfrm>
           <a:prstGeom prst="rect">
             <a:avLst/>
